--- a/01_Intro.pptx
+++ b/01_Intro.pptx
@@ -5,22 +5,32 @@
     <p:sldMasterId id="2147483648" r:id="rId1"/>
   </p:sldMasterIdLst>
   <p:notesMasterIdLst>
-    <p:notesMasterId r:id="rId15"/>
+    <p:notesMasterId r:id="rId25"/>
   </p:notesMasterIdLst>
   <p:sldIdLst>
     <p:sldId id="256" r:id="rId2"/>
     <p:sldId id="258" r:id="rId3"/>
-    <p:sldId id="269" r:id="rId4"/>
-    <p:sldId id="270" r:id="rId5"/>
-    <p:sldId id="274" r:id="rId6"/>
-    <p:sldId id="271" r:id="rId7"/>
-    <p:sldId id="272" r:id="rId8"/>
-    <p:sldId id="273" r:id="rId9"/>
-    <p:sldId id="275" r:id="rId10"/>
-    <p:sldId id="268" r:id="rId11"/>
-    <p:sldId id="266" r:id="rId12"/>
-    <p:sldId id="267" r:id="rId13"/>
-    <p:sldId id="259" r:id="rId14"/>
+    <p:sldId id="277" r:id="rId4"/>
+    <p:sldId id="278" r:id="rId5"/>
+    <p:sldId id="279" r:id="rId6"/>
+    <p:sldId id="280" r:id="rId7"/>
+    <p:sldId id="281" r:id="rId8"/>
+    <p:sldId id="282" r:id="rId9"/>
+    <p:sldId id="283" r:id="rId10"/>
+    <p:sldId id="284" r:id="rId11"/>
+    <p:sldId id="276" r:id="rId12"/>
+    <p:sldId id="285" r:id="rId13"/>
+    <p:sldId id="269" r:id="rId14"/>
+    <p:sldId id="270" r:id="rId15"/>
+    <p:sldId id="274" r:id="rId16"/>
+    <p:sldId id="271" r:id="rId17"/>
+    <p:sldId id="272" r:id="rId18"/>
+    <p:sldId id="273" r:id="rId19"/>
+    <p:sldId id="275" r:id="rId20"/>
+    <p:sldId id="268" r:id="rId21"/>
+    <p:sldId id="266" r:id="rId22"/>
+    <p:sldId id="267" r:id="rId23"/>
+    <p:sldId id="259" r:id="rId24"/>
   </p:sldIdLst>
   <p:sldSz cx="9144000" cy="6858000" type="screen4x3"/>
   <p:notesSz cx="6858000" cy="9144000"/>
@@ -221,7 +231,7 @@
             <a:fld id="{6837EDA8-41C8-4B24-A206-13C08A65A6D7}" type="datetimeFigureOut">
               <a:rPr lang="zh-TW" altLang="en-US" smtClean="0"/>
               <a:pPr/>
-              <a:t>2020/6/22</a:t>
+              <a:t>2020/6/23</a:t>
             </a:fld>
             <a:endParaRPr lang="zh-TW" altLang="en-US"/>
           </a:p>
@@ -674,7 +684,7 @@
             <a:fld id="{8B85509C-BD4F-47BF-9B1E-FC2E949B3621}" type="datetime1">
               <a:rPr lang="zh-TW" altLang="en-US" smtClean="0"/>
               <a:pPr/>
-              <a:t>2020/6/22</a:t>
+              <a:t>2020/6/23</a:t>
             </a:fld>
             <a:endParaRPr lang="zh-TW" altLang="en-US"/>
           </a:p>
@@ -847,7 +857,7 @@
             <a:fld id="{42251B24-F787-4C15-8A0F-7AEC20C70069}" type="datetime1">
               <a:rPr lang="zh-TW" altLang="en-US" smtClean="0"/>
               <a:pPr/>
-              <a:t>2020/6/22</a:t>
+              <a:t>2020/6/23</a:t>
             </a:fld>
             <a:endParaRPr lang="zh-TW" altLang="en-US"/>
           </a:p>
@@ -1022,7 +1032,7 @@
             <a:fld id="{9CA0D33C-CE2B-45F1-B8D4-FFD1F131F331}" type="datetime1">
               <a:rPr lang="zh-TW" altLang="en-US" smtClean="0"/>
               <a:pPr/>
-              <a:t>2020/6/22</a:t>
+              <a:t>2020/6/23</a:t>
             </a:fld>
             <a:endParaRPr lang="zh-TW" altLang="en-US"/>
           </a:p>
@@ -1187,7 +1197,7 @@
             <a:fld id="{50B99440-D9EF-40CC-9B52-F6428D9B2C76}" type="datetime1">
               <a:rPr lang="zh-TW" altLang="en-US" smtClean="0"/>
               <a:pPr/>
-              <a:t>2020/6/22</a:t>
+              <a:t>2020/6/23</a:t>
             </a:fld>
             <a:endParaRPr lang="zh-TW" altLang="en-US"/>
           </a:p>
@@ -1429,7 +1439,7 @@
             <a:fld id="{0871BF52-5C6C-4959-8E27-CECB68D39FE4}" type="datetime1">
               <a:rPr lang="zh-TW" altLang="en-US" smtClean="0"/>
               <a:pPr/>
-              <a:t>2020/6/22</a:t>
+              <a:t>2020/6/23</a:t>
             </a:fld>
             <a:endParaRPr lang="zh-TW" altLang="en-US"/>
           </a:p>
@@ -1711,7 +1721,7 @@
             <a:fld id="{DF863F05-2DD9-4EB1-A827-12FD992DE9DC}" type="datetime1">
               <a:rPr lang="zh-TW" altLang="en-US" smtClean="0"/>
               <a:pPr/>
-              <a:t>2020/6/22</a:t>
+              <a:t>2020/6/23</a:t>
             </a:fld>
             <a:endParaRPr lang="zh-TW" altLang="en-US"/>
           </a:p>
@@ -2127,7 +2137,7 @@
             <a:fld id="{6339AF51-4491-4873-A096-75DB6CE47516}" type="datetime1">
               <a:rPr lang="zh-TW" altLang="en-US" smtClean="0"/>
               <a:pPr/>
-              <a:t>2020/6/22</a:t>
+              <a:t>2020/6/23</a:t>
             </a:fld>
             <a:endParaRPr lang="zh-TW" altLang="en-US"/>
           </a:p>
@@ -2241,7 +2251,7 @@
             <a:fld id="{EE4AD9C8-8B9E-40FF-ABE2-858AC2057BBB}" type="datetime1">
               <a:rPr lang="zh-TW" altLang="en-US" smtClean="0"/>
               <a:pPr/>
-              <a:t>2020/6/22</a:t>
+              <a:t>2020/6/23</a:t>
             </a:fld>
             <a:endParaRPr lang="zh-TW" altLang="en-US"/>
           </a:p>
@@ -2333,7 +2343,7 @@
             <a:fld id="{B4784999-BBBE-4BE4-A8D0-877E7D1D66CC}" type="datetime1">
               <a:rPr lang="zh-TW" altLang="en-US" smtClean="0"/>
               <a:pPr/>
-              <a:t>2020/6/22</a:t>
+              <a:t>2020/6/23</a:t>
             </a:fld>
             <a:endParaRPr lang="zh-TW" altLang="en-US"/>
           </a:p>
@@ -2605,7 +2615,7 @@
             <a:fld id="{E88D17E6-02BD-4944-B9FE-7BFCCBF83D48}" type="datetime1">
               <a:rPr lang="zh-TW" altLang="en-US" smtClean="0"/>
               <a:pPr/>
-              <a:t>2020/6/22</a:t>
+              <a:t>2020/6/23</a:t>
             </a:fld>
             <a:endParaRPr lang="zh-TW" altLang="en-US"/>
           </a:p>
@@ -2854,7 +2864,7 @@
             <a:fld id="{3C13E23D-1FEF-4D78-A3A3-3D6F2BB31954}" type="datetime1">
               <a:rPr lang="zh-TW" altLang="en-US" smtClean="0"/>
               <a:pPr/>
-              <a:t>2020/6/22</a:t>
+              <a:t>2020/6/23</a:t>
             </a:fld>
             <a:endParaRPr lang="zh-TW" altLang="en-US"/>
           </a:p>
@@ -3062,7 +3072,7 @@
             <a:fld id="{06197F35-AD6F-4594-8B50-334492D2E7E8}" type="datetime1">
               <a:rPr lang="zh-TW" altLang="en-US" smtClean="0"/>
               <a:pPr/>
-              <a:t>2020/6/22</a:t>
+              <a:t>2020/6/23</a:t>
             </a:fld>
             <a:endParaRPr lang="zh-TW" altLang="en-US"/>
           </a:p>
@@ -3523,7 +3533,7 @@
             <a:fld id="{C389EDC9-19E3-47AC-9C57-C6A24DEA81AD}" type="datetime1">
               <a:rPr lang="zh-TW" altLang="en-US" smtClean="0"/>
               <a:pPr/>
-              <a:t>2020/6/22</a:t>
+              <a:t>2020/6/23</a:t>
             </a:fld>
             <a:endParaRPr lang="zh-TW" altLang="en-US"/>
           </a:p>
@@ -3702,8 +3712,8 @@
         </p:nvSpPr>
         <p:spPr>
           <a:xfrm>
-            <a:off x="457200" y="1268282"/>
-            <a:ext cx="8352928" cy="1151651"/>
+            <a:off x="467544" y="1268759"/>
+            <a:ext cx="8352928" cy="936105"/>
           </a:xfrm>
           <a:ln>
             <a:solidFill>
@@ -3744,26 +3754,13 @@
               <a:buChar char="u"/>
             </a:pPr>
             <a:r>
-              <a:rPr lang="en-US" sz="1800" dirty="0">
+              <a:rPr lang="en-US" sz="1800" b="1" dirty="0">
                 <a:solidFill>
                   <a:schemeClr val="tx1"/>
                 </a:solidFill>
               </a:rPr>
-              <a:t>TI Microcontroller has the complete self-contained board: USB debugger, ARM Cortex-M4F microcontroller, RGB LED, two user switches, and connectors for experiment. </a:t>
-            </a:r>
-          </a:p>
-          <a:p>
-            <a:pPr algn="l">
-              <a:buClr>
-                <a:srgbClr val="0070C0"/>
-              </a:buClr>
-              <a:buSzPct val="80000"/>
-            </a:pPr>
-            <a:endParaRPr lang="en-US" sz="1800" b="1" dirty="0">
-              <a:solidFill>
-                <a:schemeClr val="tx1"/>
-              </a:solidFill>
-            </a:endParaRPr>
+              <a:t>Many companies, such as, Texas Instrument, NXP, Renesas, and etc.,  develop microcontroller by Cortex-M Family.</a:t>
+            </a:r>
           </a:p>
         </p:txBody>
       </p:sp>
@@ -3862,7 +3859,7 @@
             <a:fld id="{A4F910E6-8D00-4BAF-8C48-9688E0B449D3}" type="datetime1">
               <a:rPr lang="zh-TW" altLang="en-US" smtClean="0"/>
               <a:pPr/>
-              <a:t>2020/6/22</a:t>
+              <a:t>2020/6/23</a:t>
             </a:fld>
             <a:endParaRPr lang="zh-TW" altLang="en-US"/>
           </a:p>
@@ -3897,7 +3894,7 @@
           <p:cNvPr id="7" name="Picture 6">
             <a:extLst>
               <a:ext uri="{FF2B5EF4-FFF2-40B4-BE49-F238E27FC236}">
-                <a16:creationId xmlns:a16="http://schemas.microsoft.com/office/drawing/2014/main" id="{F6095A54-4774-4051-9E7A-79622DD4033B}"/>
+                <a16:creationId xmlns:a16="http://schemas.microsoft.com/office/drawing/2014/main" id="{62840F6D-2EE1-4260-ABA8-B9A7A8807A5B}"/>
               </a:ext>
             </a:extLst>
           </p:cNvPr>
@@ -3914,8 +3911,8 @@
         </p:blipFill>
         <p:spPr>
           <a:xfrm>
-            <a:off x="1619672" y="2563471"/>
-            <a:ext cx="6228978" cy="3718406"/>
+            <a:off x="1149114" y="2492896"/>
+            <a:ext cx="6845771" cy="3734766"/>
           </a:xfrm>
           <a:prstGeom prst="rect">
             <a:avLst/>
@@ -3930,7 +3927,7 @@
     </p:spTree>
     <p:extLst>
       <p:ext uri="{BB962C8B-B14F-4D97-AF65-F5344CB8AC3E}">
-        <p14:creationId xmlns:p14="http://schemas.microsoft.com/office/powerpoint/2010/main" val="3434475810"/>
+        <p14:creationId xmlns:p14="http://schemas.microsoft.com/office/powerpoint/2010/main" val="3646399921"/>
       </p:ext>
     </p:extLst>
   </p:cSld>
@@ -3969,12 +3966,35 @@
         </p:nvSpPr>
         <p:spPr>
           <a:xfrm>
-            <a:off x="0" y="2130425"/>
-            <a:ext cx="9144000" cy="1470025"/>
-          </a:xfrm>
-          <a:solidFill>
-            <a:srgbClr val="00B0F0"/>
-          </a:solidFill>
+            <a:off x="0" y="1"/>
+            <a:ext cx="9144000" cy="764704"/>
+          </a:xfrm>
+          <a:gradFill flip="none" rotWithShape="1">
+            <a:gsLst>
+              <a:gs pos="0">
+                <a:srgbClr val="C00000">
+                  <a:shade val="30000"/>
+                  <a:satMod val="115000"/>
+                </a:srgbClr>
+              </a:gs>
+              <a:gs pos="50000">
+                <a:srgbClr val="C00000">
+                  <a:shade val="67500"/>
+                  <a:satMod val="115000"/>
+                </a:srgbClr>
+              </a:gs>
+              <a:gs pos="100000">
+                <a:srgbClr val="C00000">
+                  <a:shade val="100000"/>
+                  <a:satMod val="115000"/>
+                </a:srgbClr>
+              </a:gs>
+            </a:gsLst>
+            <a:path path="circle">
+              <a:fillToRect t="100000" r="100000"/>
+            </a:path>
+            <a:tileRect l="-100000" b="-100000"/>
+          </a:gradFill>
         </p:spPr>
         <p:txBody>
           <a:bodyPr>
@@ -3982,15 +4002,16 @@
           </a:bodyPr>
           <a:lstStyle/>
           <a:p>
-            <a:r>
-              <a:rPr lang="en-US" altLang="zh-TW" sz="4800" b="1" dirty="0">
+            <a:pPr algn="l"/>
+            <a:r>
+              <a:rPr lang="en-US" altLang="zh-TW" b="1" dirty="0">
                 <a:solidFill>
                   <a:srgbClr val="FFFF00"/>
                 </a:solidFill>
               </a:rPr>
-              <a:t>1.1 Quiz</a:t>
-            </a:r>
-            <a:endParaRPr lang="zh-TW" altLang="en-US" sz="4800" b="1" dirty="0">
+              <a:t>1 Introduction</a:t>
+            </a:r>
+            <a:endParaRPr lang="zh-TW" altLang="en-US" b="1" dirty="0">
               <a:solidFill>
                 <a:srgbClr val="FFFF00"/>
               </a:solidFill>
@@ -4000,6 +4021,176 @@
       </p:sp>
       <p:sp>
         <p:nvSpPr>
+          <p:cNvPr id="3" name="副標題 2"/>
+          <p:cNvSpPr>
+            <a:spLocks noGrp="1"/>
+          </p:cNvSpPr>
+          <p:nvPr>
+            <p:ph type="subTitle" idx="1"/>
+          </p:nvPr>
+        </p:nvSpPr>
+        <p:spPr>
+          <a:xfrm>
+            <a:off x="467544" y="1268759"/>
+            <a:ext cx="8352928" cy="1008113"/>
+          </a:xfrm>
+          <a:ln>
+            <a:solidFill>
+              <a:srgbClr val="C00000"/>
+            </a:solidFill>
+          </a:ln>
+        </p:spPr>
+        <p:txBody>
+          <a:bodyPr>
+            <a:noAutofit/>
+          </a:bodyPr>
+          <a:lstStyle/>
+          <a:p>
+            <a:pPr marL="342900" indent="-342900" algn="l">
+              <a:buClr>
+                <a:srgbClr val="0070C0"/>
+              </a:buClr>
+              <a:buSzPct val="80000"/>
+              <a:buFont typeface="Wingdings" pitchFamily="2" charset="2"/>
+              <a:buChar char="u"/>
+            </a:pPr>
+            <a:r>
+              <a:rPr lang="en-US" sz="1800" b="1" dirty="0">
+                <a:solidFill>
+                  <a:schemeClr val="tx1"/>
+                </a:solidFill>
+              </a:rPr>
+              <a:t>Introduction</a:t>
+            </a:r>
+          </a:p>
+          <a:p>
+            <a:pPr marL="342900" indent="-342900" algn="l">
+              <a:buClr>
+                <a:srgbClr val="0070C0"/>
+              </a:buClr>
+              <a:buSzPct val="80000"/>
+              <a:buFont typeface="Wingdings" pitchFamily="2" charset="2"/>
+              <a:buChar char="u"/>
+            </a:pPr>
+            <a:r>
+              <a:rPr lang="en-US" sz="1800" dirty="0">
+                <a:solidFill>
+                  <a:schemeClr val="tx1"/>
+                </a:solidFill>
+              </a:rPr>
+              <a:t>We use the Tool set from IAR (Engineering Company of Anders </a:t>
+            </a:r>
+            <a:r>
+              <a:rPr lang="en-US" sz="1800" dirty="0" err="1">
+                <a:solidFill>
+                  <a:schemeClr val="tx1"/>
+                </a:solidFill>
+              </a:rPr>
+              <a:t>Rundgren</a:t>
+            </a:r>
+            <a:r>
+              <a:rPr lang="en-US" sz="1800" dirty="0">
+                <a:solidFill>
+                  <a:schemeClr val="tx1"/>
+                </a:solidFill>
+              </a:rPr>
+              <a:t> at Sweden).</a:t>
+            </a:r>
+          </a:p>
+          <a:p>
+            <a:pPr algn="l">
+              <a:buClr>
+                <a:srgbClr val="0070C0"/>
+              </a:buClr>
+              <a:buSzPct val="80000"/>
+            </a:pPr>
+            <a:endParaRPr lang="en-US" sz="1800" b="1" dirty="0">
+              <a:solidFill>
+                <a:schemeClr val="tx1"/>
+              </a:solidFill>
+            </a:endParaRPr>
+          </a:p>
+        </p:txBody>
+      </p:sp>
+      <p:sp>
+        <p:nvSpPr>
+          <p:cNvPr id="4" name="標題 1"/>
+          <p:cNvSpPr txBox="1">
+            <a:spLocks/>
+          </p:cNvSpPr>
+          <p:nvPr/>
+        </p:nvSpPr>
+        <p:spPr>
+          <a:xfrm>
+            <a:off x="0" y="764704"/>
+            <a:ext cx="9144000" cy="360040"/>
+          </a:xfrm>
+          <a:prstGeom prst="rect">
+            <a:avLst/>
+          </a:prstGeom>
+          <a:gradFill flip="none" rotWithShape="1">
+            <a:gsLst>
+              <a:gs pos="0">
+                <a:srgbClr val="00B0F0">
+                  <a:shade val="30000"/>
+                  <a:satMod val="115000"/>
+                </a:srgbClr>
+              </a:gs>
+              <a:gs pos="50000">
+                <a:srgbClr val="00B0F0">
+                  <a:shade val="67500"/>
+                  <a:satMod val="115000"/>
+                </a:srgbClr>
+              </a:gs>
+              <a:gs pos="100000">
+                <a:srgbClr val="00B0F0">
+                  <a:shade val="100000"/>
+                  <a:satMod val="115000"/>
+                </a:srgbClr>
+              </a:gs>
+            </a:gsLst>
+            <a:path path="circle">
+              <a:fillToRect t="100000" r="100000"/>
+            </a:path>
+            <a:tileRect l="-100000" b="-100000"/>
+          </a:gradFill>
+        </p:spPr>
+        <p:txBody>
+          <a:bodyPr vert="horz" lIns="91440" tIns="45720" rIns="91440" bIns="45720" rtlCol="0" anchor="ctr">
+            <a:normAutofit/>
+          </a:bodyPr>
+          <a:lstStyle/>
+          <a:p>
+            <a:pPr lvl="0">
+              <a:spcBef>
+                <a:spcPct val="0"/>
+              </a:spcBef>
+            </a:pPr>
+            <a:r>
+              <a:rPr lang="en-US" sz="1600" dirty="0">
+                <a:hlinkClick r:id="rId2"/>
+              </a:rPr>
+              <a:t>https://www.youtube.com/watch?v=3V9eqvkMzHA&amp;list=PLPW8O6W-1chwyTzI3BHwBLbGQoPFxPAPM</a:t>
+            </a:r>
+            <a:endParaRPr kumimoji="0" lang="zh-TW" altLang="en-US" sz="1600" b="0" i="0" u="none" strike="noStrike" kern="1200" cap="none" spc="0" normalizeH="0" baseline="0" noProof="0" dirty="0">
+              <a:ln>
+                <a:noFill/>
+              </a:ln>
+              <a:solidFill>
+                <a:schemeClr val="tx1"/>
+              </a:solidFill>
+              <a:effectLst/>
+              <a:uLnTx/>
+              <a:uFillTx/>
+              <a:latin typeface="+mj-lt"/>
+              <a:ea typeface="+mj-ea"/>
+              <a:cs typeface="+mj-cs"/>
+            </a:endParaRPr>
+          </a:p>
+        </p:txBody>
+      </p:sp>
+      <p:sp>
+        <p:nvSpPr>
           <p:cNvPr id="5" name="日期版面配置區 4"/>
           <p:cNvSpPr>
             <a:spLocks noGrp="1"/>
@@ -4013,10 +4204,10 @@
           <a:bodyPr/>
           <a:lstStyle/>
           <a:p>
-            <a:fld id="{C389EDC9-19E3-47AC-9C57-C6A24DEA81AD}" type="datetime1">
+            <a:fld id="{A4F910E6-8D00-4BAF-8C48-9688E0B449D3}" type="datetime1">
               <a:rPr lang="zh-TW" altLang="en-US" smtClean="0"/>
               <a:pPr/>
-              <a:t>2020/6/22</a:t>
+              <a:t>2020/6/23</a:t>
             </a:fld>
             <a:endParaRPr lang="zh-TW" altLang="en-US"/>
           </a:p>
@@ -4048,55 +4239,43 @@
       </p:sp>
       <p:pic>
         <p:nvPicPr>
-          <p:cNvPr id="8" name="Picture 2" descr="C++ - Wikipedia">
+          <p:cNvPr id="7" name="Picture 6">
             <a:extLst>
               <a:ext uri="{FF2B5EF4-FFF2-40B4-BE49-F238E27FC236}">
-                <a16:creationId xmlns:a16="http://schemas.microsoft.com/office/drawing/2014/main" id="{2AA42753-33EB-46CA-9CB8-D92C35A227D1}"/>
+                <a16:creationId xmlns:a16="http://schemas.microsoft.com/office/drawing/2014/main" id="{1058C71E-AD37-4FD0-A411-07A18D5E09B7}"/>
               </a:ext>
             </a:extLst>
           </p:cNvPr>
           <p:cNvPicPr>
-            <a:picLocks noChangeAspect="1" noChangeArrowheads="1"/>
+            <a:picLocks noChangeAspect="1"/>
           </p:cNvPicPr>
           <p:nvPr/>
         </p:nvPicPr>
         <p:blipFill>
-          <a:blip r:embed="rId2" cstate="print">
-            <a:extLst>
-              <a:ext uri="{28A0092B-C50C-407E-A947-70E740481C1C}">
-                <a14:useLocalDpi xmlns:a14="http://schemas.microsoft.com/office/drawing/2010/main" val="0"/>
-              </a:ext>
-            </a:extLst>
-          </a:blip>
-          <a:srcRect/>
+          <a:blip r:embed="rId3"/>
           <a:stretch>
             <a:fillRect/>
           </a:stretch>
         </p:blipFill>
-        <p:spPr bwMode="auto">
-          <a:xfrm>
-            <a:off x="4081605" y="3680766"/>
-            <a:ext cx="756853" cy="849675"/>
+        <p:spPr>
+          <a:xfrm>
+            <a:off x="1014623" y="2416783"/>
+            <a:ext cx="7258769" cy="3729047"/>
           </a:xfrm>
           <a:prstGeom prst="rect">
             <a:avLst/>
           </a:prstGeom>
-          <a:noFill/>
-          <a:extLst>
-            <a:ext uri="{909E8E84-426E-40DD-AFC4-6F175D3DCCD1}">
-              <a14:hiddenFill xmlns:a14="http://schemas.microsoft.com/office/drawing/2010/main">
-                <a:solidFill>
-                  <a:srgbClr val="FFFFFF"/>
-                </a:solidFill>
-              </a14:hiddenFill>
-            </a:ext>
-          </a:extLst>
+          <a:ln>
+            <a:solidFill>
+              <a:srgbClr val="C00000"/>
+            </a:solidFill>
+          </a:ln>
         </p:spPr>
       </p:pic>
     </p:spTree>
     <p:extLst>
       <p:ext uri="{BB962C8B-B14F-4D97-AF65-F5344CB8AC3E}">
-        <p14:creationId xmlns:p14="http://schemas.microsoft.com/office/powerpoint/2010/main" val="2473554574"/>
+        <p14:creationId xmlns:p14="http://schemas.microsoft.com/office/powerpoint/2010/main" val="467242127"/>
       </p:ext>
     </p:extLst>
   </p:cSld>
@@ -4178,7 +4357,7 @@
                   <a:srgbClr val="FFFF00"/>
                 </a:solidFill>
               </a:rPr>
-              <a:t>1.1 Quiz</a:t>
+              <a:t>1 Introduction</a:t>
             </a:r>
             <a:endParaRPr lang="zh-TW" altLang="en-US" b="1" dirty="0">
               <a:solidFill>
@@ -4200,8 +4379,8 @@
         </p:nvSpPr>
         <p:spPr>
           <a:xfrm>
-            <a:off x="425697" y="1259368"/>
-            <a:ext cx="8106743" cy="2385656"/>
+            <a:off x="467544" y="1268759"/>
+            <a:ext cx="8352928" cy="1296145"/>
           </a:xfrm>
           <a:ln>
             <a:solidFill>
@@ -4229,7 +4408,7 @@
                   <a:schemeClr val="tx1"/>
                 </a:solidFill>
               </a:rPr>
-              <a:t>Quiz</a:t>
+              <a:t>Introduction</a:t>
             </a:r>
           </a:p>
           <a:p>
@@ -4247,7 +4426,7 @@
                   <a:schemeClr val="tx1"/>
                 </a:solidFill>
               </a:rPr>
-              <a:t>1. What is IAR stand for?</a:t>
+              <a:t>Download IAR (Integrate ARM System) Workbench.</a:t>
             </a:r>
           </a:p>
           <a:p>
@@ -4265,23 +4444,7 @@
                   <a:schemeClr val="tx1"/>
                 </a:solidFill>
               </a:rPr>
-              <a:t>Ans: IAM is Sweden company name stand for “Engineering Company of Andrew  </a:t>
-            </a:r>
-            <a:r>
-              <a:rPr lang="en-US" sz="1800" dirty="0" err="1">
-                <a:solidFill>
-                  <a:schemeClr val="tx1"/>
-                </a:solidFill>
-              </a:rPr>
-              <a:t>Rundgren</a:t>
-            </a:r>
-            <a:r>
-              <a:rPr lang="en-US" sz="1800" dirty="0">
-                <a:solidFill>
-                  <a:schemeClr val="tx1"/>
-                </a:solidFill>
-              </a:rPr>
-              <a:t>)</a:t>
+              <a:t>The software offers: 3 months trial or unlimited during the installation. </a:t>
             </a:r>
           </a:p>
           <a:p>
@@ -4299,50 +4462,17 @@
                   <a:schemeClr val="tx1"/>
                 </a:solidFill>
               </a:rPr>
-              <a:t>2. What is IAR for?</a:t>
-            </a:r>
-          </a:p>
-          <a:p>
-            <a:pPr marL="342900" indent="-342900" algn="l">
+              <a:t>Note: Turn off the security.</a:t>
+            </a:r>
+          </a:p>
+          <a:p>
+            <a:pPr algn="l">
               <a:buClr>
                 <a:srgbClr val="0070C0"/>
               </a:buClr>
               <a:buSzPct val="80000"/>
-              <a:buFont typeface="Wingdings" pitchFamily="2" charset="2"/>
-              <a:buChar char="u"/>
             </a:pPr>
-            <a:r>
-              <a:rPr lang="en-US" sz="1800" dirty="0">
-                <a:solidFill>
-                  <a:schemeClr val="tx1"/>
-                </a:solidFill>
-              </a:rPr>
-              <a:t>Ans: It is IDE for firmware development. It provide the simulation and integrates ARM based device driver for  TI, NXP, and </a:t>
-            </a:r>
-            <a:r>
-              <a:rPr lang="en-US" sz="1800">
-                <a:solidFill>
-                  <a:schemeClr val="tx1"/>
-                </a:solidFill>
-              </a:rPr>
-              <a:t>etc.</a:t>
-            </a:r>
-            <a:endParaRPr lang="en-US" sz="1800" dirty="0">
-              <a:solidFill>
-                <a:schemeClr val="tx1"/>
-              </a:solidFill>
-            </a:endParaRPr>
-          </a:p>
-          <a:p>
-            <a:pPr marL="342900" indent="-342900" algn="l">
-              <a:buClr>
-                <a:srgbClr val="0070C0"/>
-              </a:buClr>
-              <a:buSzPct val="80000"/>
-              <a:buFont typeface="Wingdings" pitchFamily="2" charset="2"/>
-              <a:buChar char="u"/>
-            </a:pPr>
-            <a:endParaRPr lang="en-US" sz="1800" dirty="0">
+            <a:endParaRPr lang="en-US" sz="1800" b="1" dirty="0">
               <a:solidFill>
                 <a:schemeClr val="tx1"/>
               </a:solidFill>
@@ -4410,7 +4540,20 @@
               </a:rPr>
               <a:t>https://www.youtube.com/watch?v=3V9eqvkMzHA&amp;list=PLPW8O6W-1chwyTzI3BHwBLbGQoPFxPAPM</a:t>
             </a:r>
-            <a:endParaRPr lang="zh-TW" altLang="en-US" sz="1600" dirty="0"/>
+            <a:endParaRPr kumimoji="0" lang="zh-TW" altLang="en-US" sz="1600" b="0" i="0" u="none" strike="noStrike" kern="1200" cap="none" spc="0" normalizeH="0" baseline="0" noProof="0" dirty="0">
+              <a:ln>
+                <a:noFill/>
+              </a:ln>
+              <a:solidFill>
+                <a:schemeClr val="tx1"/>
+              </a:solidFill>
+              <a:effectLst/>
+              <a:uLnTx/>
+              <a:uFillTx/>
+              <a:latin typeface="+mj-lt"/>
+              <a:ea typeface="+mj-ea"/>
+              <a:cs typeface="+mj-cs"/>
+            </a:endParaRPr>
           </a:p>
         </p:txBody>
       </p:sp>
@@ -4432,7 +4575,7 @@
             <a:fld id="{A4F910E6-8D00-4BAF-8C48-9688E0B449D3}" type="datetime1">
               <a:rPr lang="zh-TW" altLang="en-US" smtClean="0"/>
               <a:pPr/>
-              <a:t>2020/6/22</a:t>
+              <a:t>2020/6/23</a:t>
             </a:fld>
             <a:endParaRPr lang="zh-TW" altLang="en-US"/>
           </a:p>
@@ -4462,10 +4605,97 @@
           </a:p>
         </p:txBody>
       </p:sp>
+      <p:pic>
+        <p:nvPicPr>
+          <p:cNvPr id="8" name="Picture 7">
+            <a:extLst>
+              <a:ext uri="{FF2B5EF4-FFF2-40B4-BE49-F238E27FC236}">
+                <a16:creationId xmlns:a16="http://schemas.microsoft.com/office/drawing/2014/main" id="{8AF6F1CD-8E8C-4FC7-9799-EE66BA647B84}"/>
+              </a:ext>
+            </a:extLst>
+          </p:cNvPr>
+          <p:cNvPicPr>
+            <a:picLocks noChangeAspect="1"/>
+          </p:cNvPicPr>
+          <p:nvPr/>
+        </p:nvPicPr>
+        <p:blipFill>
+          <a:blip r:embed="rId3"/>
+          <a:stretch>
+            <a:fillRect/>
+          </a:stretch>
+        </p:blipFill>
+        <p:spPr>
+          <a:xfrm>
+            <a:off x="1781140" y="2838077"/>
+            <a:ext cx="4587031" cy="3518273"/>
+          </a:xfrm>
+          <a:prstGeom prst="rect">
+            <a:avLst/>
+          </a:prstGeom>
+          <a:ln>
+            <a:solidFill>
+              <a:srgbClr val="C00000"/>
+            </a:solidFill>
+          </a:ln>
+        </p:spPr>
+      </p:pic>
+      <p:sp>
+        <p:nvSpPr>
+          <p:cNvPr id="9" name="Rectangle 8">
+            <a:extLst>
+              <a:ext uri="{FF2B5EF4-FFF2-40B4-BE49-F238E27FC236}">
+                <a16:creationId xmlns:a16="http://schemas.microsoft.com/office/drawing/2014/main" id="{7B19C8A3-05EF-4676-963C-B89049CC5EF0}"/>
+              </a:ext>
+            </a:extLst>
+          </p:cNvPr>
+          <p:cNvSpPr/>
+          <p:nvPr/>
+        </p:nvSpPr>
+        <p:spPr>
+          <a:xfrm>
+            <a:off x="2179836" y="3990206"/>
+            <a:ext cx="3024336" cy="432048"/>
+          </a:xfrm>
+          <a:prstGeom prst="rect">
+            <a:avLst/>
+          </a:prstGeom>
+          <a:noFill/>
+          <a:ln>
+            <a:solidFill>
+              <a:srgbClr val="C00000"/>
+            </a:solidFill>
+          </a:ln>
+        </p:spPr>
+        <p:style>
+          <a:lnRef idx="2">
+            <a:schemeClr val="accent1">
+              <a:shade val="50000"/>
+            </a:schemeClr>
+          </a:lnRef>
+          <a:fillRef idx="1">
+            <a:schemeClr val="accent1"/>
+          </a:fillRef>
+          <a:effectRef idx="0">
+            <a:schemeClr val="accent1"/>
+          </a:effectRef>
+          <a:fontRef idx="minor">
+            <a:schemeClr val="lt1"/>
+          </a:fontRef>
+        </p:style>
+        <p:txBody>
+          <a:bodyPr rtlCol="0" anchor="ctr"/>
+          <a:lstStyle/>
+          <a:p>
+            <a:pPr algn="ctr"/>
+            <a:endParaRPr lang="en-US"/>
+          </a:p>
+        </p:txBody>
+      </p:sp>
     </p:spTree>
     <p:extLst>
       <p:ext uri="{BB962C8B-B14F-4D97-AF65-F5344CB8AC3E}">
-        <p14:creationId xmlns:p14="http://schemas.microsoft.com/office/powerpoint/2010/main" val="774443681"/>
+        <p14:creationId xmlns:p14="http://schemas.microsoft.com/office/powerpoint/2010/main" val="2852779117"/>
       </p:ext>
     </p:extLst>
   </p:cSld>
@@ -4504,25 +4734,25 @@
         </p:nvSpPr>
         <p:spPr>
           <a:xfrm>
-            <a:off x="0" y="2130425"/>
-            <a:ext cx="9144000" cy="1470025"/>
+            <a:off x="0" y="1"/>
+            <a:ext cx="9144000" cy="764704"/>
           </a:xfrm>
           <a:gradFill flip="none" rotWithShape="1">
             <a:gsLst>
               <a:gs pos="0">
-                <a:srgbClr val="00B0F0">
+                <a:srgbClr val="C00000">
                   <a:shade val="30000"/>
                   <a:satMod val="115000"/>
                 </a:srgbClr>
               </a:gs>
               <a:gs pos="50000">
-                <a:srgbClr val="00B0F0">
+                <a:srgbClr val="C00000">
                   <a:shade val="67500"/>
                   <a:satMod val="115000"/>
                 </a:srgbClr>
               </a:gs>
               <a:gs pos="100000">
-                <a:srgbClr val="00B0F0">
+                <a:srgbClr val="C00000">
                   <a:shade val="100000"/>
                   <a:satMod val="115000"/>
                 </a:srgbClr>
@@ -4540,143 +4770,6 @@
           </a:bodyPr>
           <a:lstStyle/>
           <a:p>
-            <a:r>
-              <a:rPr lang="en-US" altLang="zh-TW" sz="6000" b="1" dirty="0">
-                <a:solidFill>
-                  <a:srgbClr val="FFFF00"/>
-                </a:solidFill>
-              </a:rPr>
-              <a:t>End of Chapter</a:t>
-            </a:r>
-            <a:endParaRPr lang="zh-TW" altLang="en-US" sz="6000" b="1" dirty="0">
-              <a:solidFill>
-                <a:srgbClr val="FFFF00"/>
-              </a:solidFill>
-            </a:endParaRPr>
-          </a:p>
-        </p:txBody>
-      </p:sp>
-      <p:sp>
-        <p:nvSpPr>
-          <p:cNvPr id="5" name="日期版面配置區 4"/>
-          <p:cNvSpPr>
-            <a:spLocks noGrp="1"/>
-          </p:cNvSpPr>
-          <p:nvPr>
-            <p:ph type="dt" sz="half" idx="10"/>
-          </p:nvPr>
-        </p:nvSpPr>
-        <p:spPr/>
-        <p:txBody>
-          <a:bodyPr/>
-          <a:lstStyle/>
-          <a:p>
-            <a:fld id="{4E46BE27-E923-4EC2-B046-3272AE2A3E5C}" type="datetime1">
-              <a:rPr lang="zh-TW" altLang="en-US" smtClean="0"/>
-              <a:pPr/>
-              <a:t>2020/6/22</a:t>
-            </a:fld>
-            <a:endParaRPr lang="zh-TW" altLang="en-US"/>
-          </a:p>
-        </p:txBody>
-      </p:sp>
-      <p:sp>
-        <p:nvSpPr>
-          <p:cNvPr id="6" name="投影片編號版面配置區 5"/>
-          <p:cNvSpPr>
-            <a:spLocks noGrp="1"/>
-          </p:cNvSpPr>
-          <p:nvPr>
-            <p:ph type="sldNum" sz="quarter" idx="12"/>
-          </p:nvPr>
-        </p:nvSpPr>
-        <p:spPr/>
-        <p:txBody>
-          <a:bodyPr/>
-          <a:lstStyle/>
-          <a:p>
-            <a:fld id="{E4D7E63D-91F2-4366-A2C4-1B00C9E2590E}" type="slidenum">
-              <a:rPr lang="zh-TW" altLang="en-US" smtClean="0"/>
-              <a:pPr/>
-              <a:t>13</a:t>
-            </a:fld>
-            <a:endParaRPr lang="zh-TW" altLang="en-US"/>
-          </a:p>
-        </p:txBody>
-      </p:sp>
-    </p:spTree>
-  </p:cSld>
-  <p:clrMapOvr>
-    <a:masterClrMapping/>
-  </p:clrMapOvr>
-</p:sld>
-</file>
-
-<file path=ppt/slides/slide2.xml><?xml version="1.0" encoding="utf-8"?>
-<p:sld xmlns:a="http://schemas.openxmlformats.org/drawingml/2006/main" xmlns:r="http://schemas.openxmlformats.org/officeDocument/2006/relationships" xmlns:p="http://schemas.openxmlformats.org/presentationml/2006/main">
-  <p:cSld>
-    <p:spTree>
-      <p:nvGrpSpPr>
-        <p:cNvPr id="1" name=""/>
-        <p:cNvGrpSpPr/>
-        <p:nvPr/>
-      </p:nvGrpSpPr>
-      <p:grpSpPr>
-        <a:xfrm>
-          <a:off x="0" y="0"/>
-          <a:ext cx="0" cy="0"/>
-          <a:chOff x="0" y="0"/>
-          <a:chExt cx="0" cy="0"/>
-        </a:xfrm>
-      </p:grpSpPr>
-      <p:sp>
-        <p:nvSpPr>
-          <p:cNvPr id="2" name="標題 1"/>
-          <p:cNvSpPr>
-            <a:spLocks noGrp="1"/>
-          </p:cNvSpPr>
-          <p:nvPr>
-            <p:ph type="ctrTitle"/>
-          </p:nvPr>
-        </p:nvSpPr>
-        <p:spPr>
-          <a:xfrm>
-            <a:off x="0" y="1"/>
-            <a:ext cx="9144000" cy="764704"/>
-          </a:xfrm>
-          <a:gradFill flip="none" rotWithShape="1">
-            <a:gsLst>
-              <a:gs pos="0">
-                <a:srgbClr val="C00000">
-                  <a:shade val="30000"/>
-                  <a:satMod val="115000"/>
-                </a:srgbClr>
-              </a:gs>
-              <a:gs pos="50000">
-                <a:srgbClr val="C00000">
-                  <a:shade val="67500"/>
-                  <a:satMod val="115000"/>
-                </a:srgbClr>
-              </a:gs>
-              <a:gs pos="100000">
-                <a:srgbClr val="C00000">
-                  <a:shade val="100000"/>
-                  <a:satMod val="115000"/>
-                </a:srgbClr>
-              </a:gs>
-            </a:gsLst>
-            <a:path path="circle">
-              <a:fillToRect t="100000" r="100000"/>
-            </a:path>
-            <a:tileRect l="-100000" b="-100000"/>
-          </a:gradFill>
-        </p:spPr>
-        <p:txBody>
-          <a:bodyPr>
-            <a:normAutofit/>
-          </a:bodyPr>
-          <a:lstStyle/>
-          <a:p>
             <a:pPr algn="l"/>
             <a:r>
               <a:rPr lang="en-US" altLang="zh-TW" b="1" dirty="0">
@@ -4707,7 +4800,7 @@
         <p:spPr>
           <a:xfrm>
             <a:off x="467544" y="1268759"/>
-            <a:ext cx="8352928" cy="1296145"/>
+            <a:ext cx="8352928" cy="720081"/>
           </a:xfrm>
           <a:ln>
             <a:solidFill>
@@ -4753,43 +4846,7 @@
                   <a:schemeClr val="tx1"/>
                 </a:solidFill>
               </a:rPr>
-              <a:t>Download IAR (Integrate ARM System) Workbench.</a:t>
-            </a:r>
-          </a:p>
-          <a:p>
-            <a:pPr marL="342900" indent="-342900" algn="l">
-              <a:buClr>
-                <a:srgbClr val="0070C0"/>
-              </a:buClr>
-              <a:buSzPct val="80000"/>
-              <a:buFont typeface="Wingdings" pitchFamily="2" charset="2"/>
-              <a:buChar char="u"/>
-            </a:pPr>
-            <a:r>
-              <a:rPr lang="en-US" sz="1800" dirty="0">
-                <a:solidFill>
-                  <a:schemeClr val="tx1"/>
-                </a:solidFill>
-              </a:rPr>
-              <a:t>The software offers: 3 months trial or unlimited during the installation. </a:t>
-            </a:r>
-          </a:p>
-          <a:p>
-            <a:pPr marL="342900" indent="-342900" algn="l">
-              <a:buClr>
-                <a:srgbClr val="0070C0"/>
-              </a:buClr>
-              <a:buSzPct val="80000"/>
-              <a:buFont typeface="Wingdings" pitchFamily="2" charset="2"/>
-              <a:buChar char="u"/>
-            </a:pPr>
-            <a:r>
-              <a:rPr lang="en-US" sz="1800" dirty="0">
-                <a:solidFill>
-                  <a:schemeClr val="tx1"/>
-                </a:solidFill>
-              </a:rPr>
-              <a:t>Note: Turn off the security.</a:t>
+              <a:t>First time registration.</a:t>
             </a:r>
           </a:p>
           <a:p>
@@ -4902,7 +4959,7 @@
             <a:fld id="{A4F910E6-8D00-4BAF-8C48-9688E0B449D3}" type="datetime1">
               <a:rPr lang="zh-TW" altLang="en-US" smtClean="0"/>
               <a:pPr/>
-              <a:t>2020/6/22</a:t>
+              <a:t>2020/6/23</a:t>
             </a:fld>
             <a:endParaRPr lang="zh-TW" altLang="en-US"/>
           </a:p>
@@ -4926,386 +4983,7 @@
             <a:fld id="{E4D7E63D-91F2-4366-A2C4-1B00C9E2590E}" type="slidenum">
               <a:rPr lang="zh-TW" altLang="en-US" smtClean="0"/>
               <a:pPr/>
-              <a:t>2</a:t>
-            </a:fld>
-            <a:endParaRPr lang="zh-TW" altLang="en-US"/>
-          </a:p>
-        </p:txBody>
-      </p:sp>
-      <p:pic>
-        <p:nvPicPr>
-          <p:cNvPr id="8" name="Picture 7">
-            <a:extLst>
-              <a:ext uri="{FF2B5EF4-FFF2-40B4-BE49-F238E27FC236}">
-                <a16:creationId xmlns:a16="http://schemas.microsoft.com/office/drawing/2014/main" id="{8AF6F1CD-8E8C-4FC7-9799-EE66BA647B84}"/>
-              </a:ext>
-            </a:extLst>
-          </p:cNvPr>
-          <p:cNvPicPr>
-            <a:picLocks noChangeAspect="1"/>
-          </p:cNvPicPr>
-          <p:nvPr/>
-        </p:nvPicPr>
-        <p:blipFill>
-          <a:blip r:embed="rId3"/>
-          <a:stretch>
-            <a:fillRect/>
-          </a:stretch>
-        </p:blipFill>
-        <p:spPr>
-          <a:xfrm>
-            <a:off x="1781140" y="2838077"/>
-            <a:ext cx="4587031" cy="3518273"/>
-          </a:xfrm>
-          <a:prstGeom prst="rect">
-            <a:avLst/>
-          </a:prstGeom>
-          <a:ln>
-            <a:solidFill>
-              <a:srgbClr val="C00000"/>
-            </a:solidFill>
-          </a:ln>
-        </p:spPr>
-      </p:pic>
-      <p:sp>
-        <p:nvSpPr>
-          <p:cNvPr id="9" name="Rectangle 8">
-            <a:extLst>
-              <a:ext uri="{FF2B5EF4-FFF2-40B4-BE49-F238E27FC236}">
-                <a16:creationId xmlns:a16="http://schemas.microsoft.com/office/drawing/2014/main" id="{7B19C8A3-05EF-4676-963C-B89049CC5EF0}"/>
-              </a:ext>
-            </a:extLst>
-          </p:cNvPr>
-          <p:cNvSpPr/>
-          <p:nvPr/>
-        </p:nvSpPr>
-        <p:spPr>
-          <a:xfrm>
-            <a:off x="2179836" y="3990206"/>
-            <a:ext cx="3024336" cy="432048"/>
-          </a:xfrm>
-          <a:prstGeom prst="rect">
-            <a:avLst/>
-          </a:prstGeom>
-          <a:noFill/>
-          <a:ln>
-            <a:solidFill>
-              <a:srgbClr val="C00000"/>
-            </a:solidFill>
-          </a:ln>
-        </p:spPr>
-        <p:style>
-          <a:lnRef idx="2">
-            <a:schemeClr val="accent1">
-              <a:shade val="50000"/>
-            </a:schemeClr>
-          </a:lnRef>
-          <a:fillRef idx="1">
-            <a:schemeClr val="accent1"/>
-          </a:fillRef>
-          <a:effectRef idx="0">
-            <a:schemeClr val="accent1"/>
-          </a:effectRef>
-          <a:fontRef idx="minor">
-            <a:schemeClr val="lt1"/>
-          </a:fontRef>
-        </p:style>
-        <p:txBody>
-          <a:bodyPr rtlCol="0" anchor="ctr"/>
-          <a:lstStyle/>
-          <a:p>
-            <a:pPr algn="ctr"/>
-            <a:endParaRPr lang="en-US"/>
-          </a:p>
-        </p:txBody>
-      </p:sp>
-    </p:spTree>
-  </p:cSld>
-  <p:clrMapOvr>
-    <a:masterClrMapping/>
-  </p:clrMapOvr>
-</p:sld>
-</file>
-
-<file path=ppt/slides/slide3.xml><?xml version="1.0" encoding="utf-8"?>
-<p:sld xmlns:a="http://schemas.openxmlformats.org/drawingml/2006/main" xmlns:r="http://schemas.openxmlformats.org/officeDocument/2006/relationships" xmlns:p="http://schemas.openxmlformats.org/presentationml/2006/main">
-  <p:cSld>
-    <p:spTree>
-      <p:nvGrpSpPr>
-        <p:cNvPr id="1" name=""/>
-        <p:cNvGrpSpPr/>
-        <p:nvPr/>
-      </p:nvGrpSpPr>
-      <p:grpSpPr>
-        <a:xfrm>
-          <a:off x="0" y="0"/>
-          <a:ext cx="0" cy="0"/>
-          <a:chOff x="0" y="0"/>
-          <a:chExt cx="0" cy="0"/>
-        </a:xfrm>
-      </p:grpSpPr>
-      <p:sp>
-        <p:nvSpPr>
-          <p:cNvPr id="2" name="標題 1"/>
-          <p:cNvSpPr>
-            <a:spLocks noGrp="1"/>
-          </p:cNvSpPr>
-          <p:nvPr>
-            <p:ph type="ctrTitle"/>
-          </p:nvPr>
-        </p:nvSpPr>
-        <p:spPr>
-          <a:xfrm>
-            <a:off x="0" y="1"/>
-            <a:ext cx="9144000" cy="764704"/>
-          </a:xfrm>
-          <a:gradFill flip="none" rotWithShape="1">
-            <a:gsLst>
-              <a:gs pos="0">
-                <a:srgbClr val="C00000">
-                  <a:shade val="30000"/>
-                  <a:satMod val="115000"/>
-                </a:srgbClr>
-              </a:gs>
-              <a:gs pos="50000">
-                <a:srgbClr val="C00000">
-                  <a:shade val="67500"/>
-                  <a:satMod val="115000"/>
-                </a:srgbClr>
-              </a:gs>
-              <a:gs pos="100000">
-                <a:srgbClr val="C00000">
-                  <a:shade val="100000"/>
-                  <a:satMod val="115000"/>
-                </a:srgbClr>
-              </a:gs>
-            </a:gsLst>
-            <a:path path="circle">
-              <a:fillToRect t="100000" r="100000"/>
-            </a:path>
-            <a:tileRect l="-100000" b="-100000"/>
-          </a:gradFill>
-        </p:spPr>
-        <p:txBody>
-          <a:bodyPr>
-            <a:normAutofit/>
-          </a:bodyPr>
-          <a:lstStyle/>
-          <a:p>
-            <a:pPr algn="l"/>
-            <a:r>
-              <a:rPr lang="en-US" altLang="zh-TW" b="1" dirty="0">
-                <a:solidFill>
-                  <a:srgbClr val="FFFF00"/>
-                </a:solidFill>
-              </a:rPr>
-              <a:t>1 Introduction</a:t>
-            </a:r>
-            <a:endParaRPr lang="zh-TW" altLang="en-US" b="1" dirty="0">
-              <a:solidFill>
-                <a:srgbClr val="FFFF00"/>
-              </a:solidFill>
-            </a:endParaRPr>
-          </a:p>
-        </p:txBody>
-      </p:sp>
-      <p:sp>
-        <p:nvSpPr>
-          <p:cNvPr id="3" name="副標題 2"/>
-          <p:cNvSpPr>
-            <a:spLocks noGrp="1"/>
-          </p:cNvSpPr>
-          <p:nvPr>
-            <p:ph type="subTitle" idx="1"/>
-          </p:nvPr>
-        </p:nvSpPr>
-        <p:spPr>
-          <a:xfrm>
-            <a:off x="467544" y="1268759"/>
-            <a:ext cx="8352928" cy="720081"/>
-          </a:xfrm>
-          <a:ln>
-            <a:solidFill>
-              <a:srgbClr val="C00000"/>
-            </a:solidFill>
-          </a:ln>
-        </p:spPr>
-        <p:txBody>
-          <a:bodyPr>
-            <a:noAutofit/>
-          </a:bodyPr>
-          <a:lstStyle/>
-          <a:p>
-            <a:pPr marL="342900" indent="-342900" algn="l">
-              <a:buClr>
-                <a:srgbClr val="0070C0"/>
-              </a:buClr>
-              <a:buSzPct val="80000"/>
-              <a:buFont typeface="Wingdings" pitchFamily="2" charset="2"/>
-              <a:buChar char="u"/>
-            </a:pPr>
-            <a:r>
-              <a:rPr lang="en-US" sz="1800" b="1" dirty="0">
-                <a:solidFill>
-                  <a:schemeClr val="tx1"/>
-                </a:solidFill>
-              </a:rPr>
-              <a:t>Introduction</a:t>
-            </a:r>
-          </a:p>
-          <a:p>
-            <a:pPr marL="342900" indent="-342900" algn="l">
-              <a:buClr>
-                <a:srgbClr val="0070C0"/>
-              </a:buClr>
-              <a:buSzPct val="80000"/>
-              <a:buFont typeface="Wingdings" pitchFamily="2" charset="2"/>
-              <a:buChar char="u"/>
-            </a:pPr>
-            <a:r>
-              <a:rPr lang="en-US" sz="1800" dirty="0">
-                <a:solidFill>
-                  <a:schemeClr val="tx1"/>
-                </a:solidFill>
-              </a:rPr>
-              <a:t>First time registration.</a:t>
-            </a:r>
-          </a:p>
-          <a:p>
-            <a:pPr algn="l">
-              <a:buClr>
-                <a:srgbClr val="0070C0"/>
-              </a:buClr>
-              <a:buSzPct val="80000"/>
-            </a:pPr>
-            <a:endParaRPr lang="en-US" sz="1800" b="1" dirty="0">
-              <a:solidFill>
-                <a:schemeClr val="tx1"/>
-              </a:solidFill>
-            </a:endParaRPr>
-          </a:p>
-        </p:txBody>
-      </p:sp>
-      <p:sp>
-        <p:nvSpPr>
-          <p:cNvPr id="4" name="標題 1"/>
-          <p:cNvSpPr txBox="1">
-            <a:spLocks/>
-          </p:cNvSpPr>
-          <p:nvPr/>
-        </p:nvSpPr>
-        <p:spPr>
-          <a:xfrm>
-            <a:off x="0" y="764704"/>
-            <a:ext cx="9144000" cy="360040"/>
-          </a:xfrm>
-          <a:prstGeom prst="rect">
-            <a:avLst/>
-          </a:prstGeom>
-          <a:gradFill flip="none" rotWithShape="1">
-            <a:gsLst>
-              <a:gs pos="0">
-                <a:srgbClr val="00B0F0">
-                  <a:shade val="30000"/>
-                  <a:satMod val="115000"/>
-                </a:srgbClr>
-              </a:gs>
-              <a:gs pos="50000">
-                <a:srgbClr val="00B0F0">
-                  <a:shade val="67500"/>
-                  <a:satMod val="115000"/>
-                </a:srgbClr>
-              </a:gs>
-              <a:gs pos="100000">
-                <a:srgbClr val="00B0F0">
-                  <a:shade val="100000"/>
-                  <a:satMod val="115000"/>
-                </a:srgbClr>
-              </a:gs>
-            </a:gsLst>
-            <a:path path="circle">
-              <a:fillToRect t="100000" r="100000"/>
-            </a:path>
-            <a:tileRect l="-100000" b="-100000"/>
-          </a:gradFill>
-        </p:spPr>
-        <p:txBody>
-          <a:bodyPr vert="horz" lIns="91440" tIns="45720" rIns="91440" bIns="45720" rtlCol="0" anchor="ctr">
-            <a:normAutofit/>
-          </a:bodyPr>
-          <a:lstStyle/>
-          <a:p>
-            <a:pPr lvl="0">
-              <a:spcBef>
-                <a:spcPct val="0"/>
-              </a:spcBef>
-            </a:pPr>
-            <a:r>
-              <a:rPr lang="en-US" sz="1600" dirty="0">
-                <a:hlinkClick r:id="rId2"/>
-              </a:rPr>
-              <a:t>https://www.youtube.com/watch?v=3V9eqvkMzHA&amp;list=PLPW8O6W-1chwyTzI3BHwBLbGQoPFxPAPM</a:t>
-            </a:r>
-            <a:endParaRPr kumimoji="0" lang="zh-TW" altLang="en-US" sz="1600" b="0" i="0" u="none" strike="noStrike" kern="1200" cap="none" spc="0" normalizeH="0" baseline="0" noProof="0" dirty="0">
-              <a:ln>
-                <a:noFill/>
-              </a:ln>
-              <a:solidFill>
-                <a:schemeClr val="tx1"/>
-              </a:solidFill>
-              <a:effectLst/>
-              <a:uLnTx/>
-              <a:uFillTx/>
-              <a:latin typeface="+mj-lt"/>
-              <a:ea typeface="+mj-ea"/>
-              <a:cs typeface="+mj-cs"/>
-            </a:endParaRPr>
-          </a:p>
-        </p:txBody>
-      </p:sp>
-      <p:sp>
-        <p:nvSpPr>
-          <p:cNvPr id="5" name="日期版面配置區 4"/>
-          <p:cNvSpPr>
-            <a:spLocks noGrp="1"/>
-          </p:cNvSpPr>
-          <p:nvPr>
-            <p:ph type="dt" sz="half" idx="10"/>
-          </p:nvPr>
-        </p:nvSpPr>
-        <p:spPr/>
-        <p:txBody>
-          <a:bodyPr/>
-          <a:lstStyle/>
-          <a:p>
-            <a:fld id="{A4F910E6-8D00-4BAF-8C48-9688E0B449D3}" type="datetime1">
-              <a:rPr lang="zh-TW" altLang="en-US" smtClean="0"/>
-              <a:pPr/>
-              <a:t>2020/6/22</a:t>
-            </a:fld>
-            <a:endParaRPr lang="zh-TW" altLang="en-US"/>
-          </a:p>
-        </p:txBody>
-      </p:sp>
-      <p:sp>
-        <p:nvSpPr>
-          <p:cNvPr id="6" name="投影片編號版面配置區 5"/>
-          <p:cNvSpPr>
-            <a:spLocks noGrp="1"/>
-          </p:cNvSpPr>
-          <p:nvPr>
-            <p:ph type="sldNum" sz="quarter" idx="12"/>
-          </p:nvPr>
-        </p:nvSpPr>
-        <p:spPr/>
-        <p:txBody>
-          <a:bodyPr/>
-          <a:lstStyle/>
-          <a:p>
-            <a:fld id="{E4D7E63D-91F2-4366-A2C4-1B00C9E2590E}" type="slidenum">
-              <a:rPr lang="zh-TW" altLang="en-US" smtClean="0"/>
-              <a:pPr/>
-              <a:t>3</a:t>
+              <a:t>13</a:t>
             </a:fld>
             <a:endParaRPr lang="zh-TW" altLang="en-US"/>
           </a:p>
@@ -5359,7 +5037,7 @@
 </p:sld>
 </file>
 
-<file path=ppt/slides/slide4.xml><?xml version="1.0" encoding="utf-8"?>
+<file path=ppt/slides/slide14.xml><?xml version="1.0" encoding="utf-8"?>
 <p:sld xmlns:a="http://schemas.openxmlformats.org/drawingml/2006/main" xmlns:r="http://schemas.openxmlformats.org/officeDocument/2006/relationships" xmlns:p="http://schemas.openxmlformats.org/presentationml/2006/main">
   <p:cSld>
     <p:spTree>
@@ -5613,7 +5291,7 @@
             <a:fld id="{A4F910E6-8D00-4BAF-8C48-9688E0B449D3}" type="datetime1">
               <a:rPr lang="zh-TW" altLang="en-US" smtClean="0"/>
               <a:pPr/>
-              <a:t>2020/6/22</a:t>
+              <a:t>2020/6/23</a:t>
             </a:fld>
             <a:endParaRPr lang="zh-TW" altLang="en-US"/>
           </a:p>
@@ -5637,7 +5315,7 @@
             <a:fld id="{E4D7E63D-91F2-4366-A2C4-1B00C9E2590E}" type="slidenum">
               <a:rPr lang="zh-TW" altLang="en-US" smtClean="0"/>
               <a:pPr/>
-              <a:t>4</a:t>
+              <a:t>14</a:t>
             </a:fld>
             <a:endParaRPr lang="zh-TW" altLang="en-US"/>
           </a:p>
@@ -5743,7 +5421,7 @@
 </p:sld>
 </file>
 
-<file path=ppt/slides/slide5.xml><?xml version="1.0" encoding="utf-8"?>
+<file path=ppt/slides/slide15.xml><?xml version="1.0" encoding="utf-8"?>
 <p:sld xmlns:a="http://schemas.openxmlformats.org/drawingml/2006/main" xmlns:r="http://schemas.openxmlformats.org/officeDocument/2006/relationships" xmlns:p="http://schemas.openxmlformats.org/presentationml/2006/main">
   <p:cSld>
     <p:spTree>
@@ -6032,7 +5710,7 @@
             <a:fld id="{A4F910E6-8D00-4BAF-8C48-9688E0B449D3}" type="datetime1">
               <a:rPr lang="zh-TW" altLang="en-US" smtClean="0"/>
               <a:pPr/>
-              <a:t>2020/6/22</a:t>
+              <a:t>2020/6/23</a:t>
             </a:fld>
             <a:endParaRPr lang="zh-TW" altLang="en-US"/>
           </a:p>
@@ -6056,7 +5734,7 @@
             <a:fld id="{E4D7E63D-91F2-4366-A2C4-1B00C9E2590E}" type="slidenum">
               <a:rPr lang="zh-TW" altLang="en-US" smtClean="0"/>
               <a:pPr/>
-              <a:t>5</a:t>
+              <a:t>15</a:t>
             </a:fld>
             <a:endParaRPr lang="zh-TW" altLang="en-US"/>
           </a:p>
@@ -6127,7 +5805,7 @@
 </p:sld>
 </file>
 
-<file path=ppt/slides/slide6.xml><?xml version="1.0" encoding="utf-8"?>
+<file path=ppt/slides/slide16.xml><?xml version="1.0" encoding="utf-8"?>
 <p:sld xmlns:a="http://schemas.openxmlformats.org/drawingml/2006/main" xmlns:r="http://schemas.openxmlformats.org/officeDocument/2006/relationships" xmlns:p="http://schemas.openxmlformats.org/presentationml/2006/main">
   <p:cSld>
     <p:spTree>
@@ -6416,7 +6094,7 @@
             <a:fld id="{A4F910E6-8D00-4BAF-8C48-9688E0B449D3}" type="datetime1">
               <a:rPr lang="zh-TW" altLang="en-US" smtClean="0"/>
               <a:pPr/>
-              <a:t>2020/6/22</a:t>
+              <a:t>2020/6/23</a:t>
             </a:fld>
             <a:endParaRPr lang="zh-TW" altLang="en-US"/>
           </a:p>
@@ -6440,7 +6118,7 @@
             <a:fld id="{E4D7E63D-91F2-4366-A2C4-1B00C9E2590E}" type="slidenum">
               <a:rPr lang="zh-TW" altLang="en-US" smtClean="0"/>
               <a:pPr/>
-              <a:t>6</a:t>
+              <a:t>16</a:t>
             </a:fld>
             <a:endParaRPr lang="zh-TW" altLang="en-US"/>
           </a:p>
@@ -6511,7 +6189,7 @@
 </p:sld>
 </file>
 
-<file path=ppt/slides/slide7.xml><?xml version="1.0" encoding="utf-8"?>
+<file path=ppt/slides/slide17.xml><?xml version="1.0" encoding="utf-8"?>
 <p:sld xmlns:a="http://schemas.openxmlformats.org/drawingml/2006/main" xmlns:r="http://schemas.openxmlformats.org/officeDocument/2006/relationships" xmlns:p="http://schemas.openxmlformats.org/presentationml/2006/main">
   <p:cSld>
     <p:spTree>
@@ -6800,7 +6478,7 @@
             <a:fld id="{A4F910E6-8D00-4BAF-8C48-9688E0B449D3}" type="datetime1">
               <a:rPr lang="zh-TW" altLang="en-US" smtClean="0"/>
               <a:pPr/>
-              <a:t>2020/6/22</a:t>
+              <a:t>2020/6/23</a:t>
             </a:fld>
             <a:endParaRPr lang="zh-TW" altLang="en-US"/>
           </a:p>
@@ -6824,7 +6502,7 @@
             <a:fld id="{E4D7E63D-91F2-4366-A2C4-1B00C9E2590E}" type="slidenum">
               <a:rPr lang="zh-TW" altLang="en-US" smtClean="0"/>
               <a:pPr/>
-              <a:t>7</a:t>
+              <a:t>17</a:t>
             </a:fld>
             <a:endParaRPr lang="zh-TW" altLang="en-US"/>
           </a:p>
@@ -6895,7 +6573,7 @@
 </p:sld>
 </file>
 
-<file path=ppt/slides/slide8.xml><?xml version="1.0" encoding="utf-8"?>
+<file path=ppt/slides/slide18.xml><?xml version="1.0" encoding="utf-8"?>
 <p:sld xmlns:a="http://schemas.openxmlformats.org/drawingml/2006/main" xmlns:r="http://schemas.openxmlformats.org/officeDocument/2006/relationships" xmlns:p="http://schemas.openxmlformats.org/presentationml/2006/main">
   <p:cSld>
     <p:spTree>
@@ -7184,7 +6862,3665 @@
             <a:fld id="{A4F910E6-8D00-4BAF-8C48-9688E0B449D3}" type="datetime1">
               <a:rPr lang="zh-TW" altLang="en-US" smtClean="0"/>
               <a:pPr/>
-              <a:t>2020/6/22</a:t>
+              <a:t>2020/6/23</a:t>
+            </a:fld>
+            <a:endParaRPr lang="zh-TW" altLang="en-US"/>
+          </a:p>
+        </p:txBody>
+      </p:sp>
+      <p:sp>
+        <p:nvSpPr>
+          <p:cNvPr id="6" name="投影片編號版面配置區 5"/>
+          <p:cNvSpPr>
+            <a:spLocks noGrp="1"/>
+          </p:cNvSpPr>
+          <p:nvPr>
+            <p:ph type="sldNum" sz="quarter" idx="12"/>
+          </p:nvPr>
+        </p:nvSpPr>
+        <p:spPr/>
+        <p:txBody>
+          <a:bodyPr/>
+          <a:lstStyle/>
+          <a:p>
+            <a:fld id="{E4D7E63D-91F2-4366-A2C4-1B00C9E2590E}" type="slidenum">
+              <a:rPr lang="zh-TW" altLang="en-US" smtClean="0"/>
+              <a:pPr/>
+              <a:t>18</a:t>
+            </a:fld>
+            <a:endParaRPr lang="zh-TW" altLang="en-US"/>
+          </a:p>
+        </p:txBody>
+      </p:sp>
+    </p:spTree>
+    <p:extLst>
+      <p:ext uri="{BB962C8B-B14F-4D97-AF65-F5344CB8AC3E}">
+        <p14:creationId xmlns:p14="http://schemas.microsoft.com/office/powerpoint/2010/main" val="3525145545"/>
+      </p:ext>
+    </p:extLst>
+  </p:cSld>
+  <p:clrMapOvr>
+    <a:masterClrMapping/>
+  </p:clrMapOvr>
+</p:sld>
+</file>
+
+<file path=ppt/slides/slide19.xml><?xml version="1.0" encoding="utf-8"?>
+<p:sld xmlns:a="http://schemas.openxmlformats.org/drawingml/2006/main" xmlns:r="http://schemas.openxmlformats.org/officeDocument/2006/relationships" xmlns:p="http://schemas.openxmlformats.org/presentationml/2006/main">
+  <p:cSld>
+    <p:spTree>
+      <p:nvGrpSpPr>
+        <p:cNvPr id="1" name=""/>
+        <p:cNvGrpSpPr/>
+        <p:nvPr/>
+      </p:nvGrpSpPr>
+      <p:grpSpPr>
+        <a:xfrm>
+          <a:off x="0" y="0"/>
+          <a:ext cx="0" cy="0"/>
+          <a:chOff x="0" y="0"/>
+          <a:chExt cx="0" cy="0"/>
+        </a:xfrm>
+      </p:grpSpPr>
+      <p:sp>
+        <p:nvSpPr>
+          <p:cNvPr id="2" name="標題 1"/>
+          <p:cNvSpPr>
+            <a:spLocks noGrp="1"/>
+          </p:cNvSpPr>
+          <p:nvPr>
+            <p:ph type="ctrTitle"/>
+          </p:nvPr>
+        </p:nvSpPr>
+        <p:spPr>
+          <a:xfrm>
+            <a:off x="0" y="1"/>
+            <a:ext cx="9144000" cy="764704"/>
+          </a:xfrm>
+          <a:gradFill flip="none" rotWithShape="1">
+            <a:gsLst>
+              <a:gs pos="0">
+                <a:srgbClr val="C00000">
+                  <a:shade val="30000"/>
+                  <a:satMod val="115000"/>
+                </a:srgbClr>
+              </a:gs>
+              <a:gs pos="50000">
+                <a:srgbClr val="C00000">
+                  <a:shade val="67500"/>
+                  <a:satMod val="115000"/>
+                </a:srgbClr>
+              </a:gs>
+              <a:gs pos="100000">
+                <a:srgbClr val="C00000">
+                  <a:shade val="100000"/>
+                  <a:satMod val="115000"/>
+                </a:srgbClr>
+              </a:gs>
+            </a:gsLst>
+            <a:path path="circle">
+              <a:fillToRect t="100000" r="100000"/>
+            </a:path>
+            <a:tileRect l="-100000" b="-100000"/>
+          </a:gradFill>
+        </p:spPr>
+        <p:txBody>
+          <a:bodyPr>
+            <a:normAutofit/>
+          </a:bodyPr>
+          <a:lstStyle/>
+          <a:p>
+            <a:pPr algn="l"/>
+            <a:r>
+              <a:rPr lang="en-US" altLang="zh-TW" b="1" dirty="0">
+                <a:solidFill>
+                  <a:srgbClr val="FFFF00"/>
+                </a:solidFill>
+              </a:rPr>
+              <a:t>1 Introduction</a:t>
+            </a:r>
+            <a:endParaRPr lang="zh-TW" altLang="en-US" b="1" dirty="0">
+              <a:solidFill>
+                <a:srgbClr val="FFFF00"/>
+              </a:solidFill>
+            </a:endParaRPr>
+          </a:p>
+        </p:txBody>
+      </p:sp>
+      <p:sp>
+        <p:nvSpPr>
+          <p:cNvPr id="3" name="副標題 2"/>
+          <p:cNvSpPr>
+            <a:spLocks noGrp="1"/>
+          </p:cNvSpPr>
+          <p:nvPr>
+            <p:ph type="subTitle" idx="1"/>
+          </p:nvPr>
+        </p:nvSpPr>
+        <p:spPr>
+          <a:xfrm>
+            <a:off x="467544" y="1268759"/>
+            <a:ext cx="8352928" cy="720081"/>
+          </a:xfrm>
+          <a:ln>
+            <a:solidFill>
+              <a:srgbClr val="C00000"/>
+            </a:solidFill>
+          </a:ln>
+        </p:spPr>
+        <p:txBody>
+          <a:bodyPr>
+            <a:noAutofit/>
+          </a:bodyPr>
+          <a:lstStyle/>
+          <a:p>
+            <a:pPr marL="342900" indent="-342900" algn="l">
+              <a:buClr>
+                <a:srgbClr val="0070C0"/>
+              </a:buClr>
+              <a:buSzPct val="80000"/>
+              <a:buFont typeface="Wingdings" pitchFamily="2" charset="2"/>
+              <a:buChar char="u"/>
+            </a:pPr>
+            <a:r>
+              <a:rPr lang="en-US" sz="1800" b="1" dirty="0">
+                <a:solidFill>
+                  <a:schemeClr val="tx1"/>
+                </a:solidFill>
+              </a:rPr>
+              <a:t>Introduction</a:t>
+            </a:r>
+          </a:p>
+          <a:p>
+            <a:pPr marL="342900" indent="-342900" algn="l">
+              <a:buClr>
+                <a:srgbClr val="0070C0"/>
+              </a:buClr>
+              <a:buSzPct val="80000"/>
+              <a:buFont typeface="Wingdings" pitchFamily="2" charset="2"/>
+              <a:buChar char="u"/>
+            </a:pPr>
+            <a:r>
+              <a:rPr lang="en-US" sz="1800" dirty="0">
+                <a:solidFill>
+                  <a:schemeClr val="tx1"/>
+                </a:solidFill>
+              </a:rPr>
+              <a:t>Complete installation.</a:t>
+            </a:r>
+          </a:p>
+          <a:p>
+            <a:pPr algn="l">
+              <a:buClr>
+                <a:srgbClr val="0070C0"/>
+              </a:buClr>
+              <a:buSzPct val="80000"/>
+            </a:pPr>
+            <a:endParaRPr lang="en-US" sz="1800" b="1" dirty="0">
+              <a:solidFill>
+                <a:schemeClr val="tx1"/>
+              </a:solidFill>
+            </a:endParaRPr>
+          </a:p>
+        </p:txBody>
+      </p:sp>
+      <p:sp>
+        <p:nvSpPr>
+          <p:cNvPr id="4" name="標題 1"/>
+          <p:cNvSpPr txBox="1">
+            <a:spLocks/>
+          </p:cNvSpPr>
+          <p:nvPr/>
+        </p:nvSpPr>
+        <p:spPr>
+          <a:xfrm>
+            <a:off x="0" y="764704"/>
+            <a:ext cx="9144000" cy="360040"/>
+          </a:xfrm>
+          <a:prstGeom prst="rect">
+            <a:avLst/>
+          </a:prstGeom>
+          <a:gradFill flip="none" rotWithShape="1">
+            <a:gsLst>
+              <a:gs pos="0">
+                <a:srgbClr val="00B0F0">
+                  <a:shade val="30000"/>
+                  <a:satMod val="115000"/>
+                </a:srgbClr>
+              </a:gs>
+              <a:gs pos="50000">
+                <a:srgbClr val="00B0F0">
+                  <a:shade val="67500"/>
+                  <a:satMod val="115000"/>
+                </a:srgbClr>
+              </a:gs>
+              <a:gs pos="100000">
+                <a:srgbClr val="00B0F0">
+                  <a:shade val="100000"/>
+                  <a:satMod val="115000"/>
+                </a:srgbClr>
+              </a:gs>
+            </a:gsLst>
+            <a:path path="circle">
+              <a:fillToRect t="100000" r="100000"/>
+            </a:path>
+            <a:tileRect l="-100000" b="-100000"/>
+          </a:gradFill>
+        </p:spPr>
+        <p:txBody>
+          <a:bodyPr vert="horz" lIns="91440" tIns="45720" rIns="91440" bIns="45720" rtlCol="0" anchor="ctr">
+            <a:normAutofit/>
+          </a:bodyPr>
+          <a:lstStyle/>
+          <a:p>
+            <a:pPr lvl="0">
+              <a:spcBef>
+                <a:spcPct val="0"/>
+              </a:spcBef>
+            </a:pPr>
+            <a:r>
+              <a:rPr lang="en-US" sz="1600" dirty="0">
+                <a:hlinkClick r:id="rId2"/>
+              </a:rPr>
+              <a:t>https://www.youtube.com/watch?v=3V9eqvkMzHA&amp;list=PLPW8O6W-1chwyTzI3BHwBLbGQoPFxPAPM</a:t>
+            </a:r>
+            <a:endParaRPr kumimoji="0" lang="zh-TW" altLang="en-US" sz="1600" b="0" i="0" u="none" strike="noStrike" kern="1200" cap="none" spc="0" normalizeH="0" baseline="0" noProof="0" dirty="0">
+              <a:ln>
+                <a:noFill/>
+              </a:ln>
+              <a:solidFill>
+                <a:schemeClr val="tx1"/>
+              </a:solidFill>
+              <a:effectLst/>
+              <a:uLnTx/>
+              <a:uFillTx/>
+              <a:latin typeface="+mj-lt"/>
+              <a:ea typeface="+mj-ea"/>
+              <a:cs typeface="+mj-cs"/>
+            </a:endParaRPr>
+          </a:p>
+        </p:txBody>
+      </p:sp>
+      <p:sp>
+        <p:nvSpPr>
+          <p:cNvPr id="5" name="日期版面配置區 4"/>
+          <p:cNvSpPr>
+            <a:spLocks noGrp="1"/>
+          </p:cNvSpPr>
+          <p:nvPr>
+            <p:ph type="dt" sz="half" idx="10"/>
+          </p:nvPr>
+        </p:nvSpPr>
+        <p:spPr/>
+        <p:txBody>
+          <a:bodyPr/>
+          <a:lstStyle/>
+          <a:p>
+            <a:fld id="{A4F910E6-8D00-4BAF-8C48-9688E0B449D3}" type="datetime1">
+              <a:rPr lang="zh-TW" altLang="en-US" smtClean="0"/>
+              <a:pPr/>
+              <a:t>2020/6/23</a:t>
+            </a:fld>
+            <a:endParaRPr lang="zh-TW" altLang="en-US"/>
+          </a:p>
+        </p:txBody>
+      </p:sp>
+      <p:sp>
+        <p:nvSpPr>
+          <p:cNvPr id="6" name="投影片編號版面配置區 5"/>
+          <p:cNvSpPr>
+            <a:spLocks noGrp="1"/>
+          </p:cNvSpPr>
+          <p:nvPr>
+            <p:ph type="sldNum" sz="quarter" idx="12"/>
+          </p:nvPr>
+        </p:nvSpPr>
+        <p:spPr/>
+        <p:txBody>
+          <a:bodyPr/>
+          <a:lstStyle/>
+          <a:p>
+            <a:fld id="{E4D7E63D-91F2-4366-A2C4-1B00C9E2590E}" type="slidenum">
+              <a:rPr lang="zh-TW" altLang="en-US" smtClean="0"/>
+              <a:pPr/>
+              <a:t>19</a:t>
+            </a:fld>
+            <a:endParaRPr lang="zh-TW" altLang="en-US"/>
+          </a:p>
+        </p:txBody>
+      </p:sp>
+      <p:pic>
+        <p:nvPicPr>
+          <p:cNvPr id="7" name="Picture 6">
+            <a:extLst>
+              <a:ext uri="{FF2B5EF4-FFF2-40B4-BE49-F238E27FC236}">
+                <a16:creationId xmlns:a16="http://schemas.microsoft.com/office/drawing/2014/main" id="{68F3D957-4C95-4408-8D30-76865A8B6E25}"/>
+              </a:ext>
+            </a:extLst>
+          </p:cNvPr>
+          <p:cNvPicPr>
+            <a:picLocks noChangeAspect="1"/>
+          </p:cNvPicPr>
+          <p:nvPr/>
+        </p:nvPicPr>
+        <p:blipFill>
+          <a:blip r:embed="rId3"/>
+          <a:stretch>
+            <a:fillRect/>
+          </a:stretch>
+        </p:blipFill>
+        <p:spPr>
+          <a:xfrm>
+            <a:off x="1907704" y="2135095"/>
+            <a:ext cx="5046315" cy="3988754"/>
+          </a:xfrm>
+          <a:prstGeom prst="rect">
+            <a:avLst/>
+          </a:prstGeom>
+          <a:ln>
+            <a:solidFill>
+              <a:srgbClr val="C00000"/>
+            </a:solidFill>
+          </a:ln>
+        </p:spPr>
+      </p:pic>
+    </p:spTree>
+    <p:extLst>
+      <p:ext uri="{BB962C8B-B14F-4D97-AF65-F5344CB8AC3E}">
+        <p14:creationId xmlns:p14="http://schemas.microsoft.com/office/powerpoint/2010/main" val="3495356124"/>
+      </p:ext>
+    </p:extLst>
+  </p:cSld>
+  <p:clrMapOvr>
+    <a:masterClrMapping/>
+  </p:clrMapOvr>
+</p:sld>
+</file>
+
+<file path=ppt/slides/slide2.xml><?xml version="1.0" encoding="utf-8"?>
+<p:sld xmlns:a="http://schemas.openxmlformats.org/drawingml/2006/main" xmlns:r="http://schemas.openxmlformats.org/officeDocument/2006/relationships" xmlns:p="http://schemas.openxmlformats.org/presentationml/2006/main">
+  <p:cSld>
+    <p:spTree>
+      <p:nvGrpSpPr>
+        <p:cNvPr id="1" name=""/>
+        <p:cNvGrpSpPr/>
+        <p:nvPr/>
+      </p:nvGrpSpPr>
+      <p:grpSpPr>
+        <a:xfrm>
+          <a:off x="0" y="0"/>
+          <a:ext cx="0" cy="0"/>
+          <a:chOff x="0" y="0"/>
+          <a:chExt cx="0" cy="0"/>
+        </a:xfrm>
+      </p:grpSpPr>
+      <p:sp>
+        <p:nvSpPr>
+          <p:cNvPr id="2" name="標題 1"/>
+          <p:cNvSpPr>
+            <a:spLocks noGrp="1"/>
+          </p:cNvSpPr>
+          <p:nvPr>
+            <p:ph type="ctrTitle"/>
+          </p:nvPr>
+        </p:nvSpPr>
+        <p:spPr>
+          <a:xfrm>
+            <a:off x="0" y="1"/>
+            <a:ext cx="9144000" cy="764704"/>
+          </a:xfrm>
+          <a:gradFill flip="none" rotWithShape="1">
+            <a:gsLst>
+              <a:gs pos="0">
+                <a:srgbClr val="C00000">
+                  <a:shade val="30000"/>
+                  <a:satMod val="115000"/>
+                </a:srgbClr>
+              </a:gs>
+              <a:gs pos="50000">
+                <a:srgbClr val="C00000">
+                  <a:shade val="67500"/>
+                  <a:satMod val="115000"/>
+                </a:srgbClr>
+              </a:gs>
+              <a:gs pos="100000">
+                <a:srgbClr val="C00000">
+                  <a:shade val="100000"/>
+                  <a:satMod val="115000"/>
+                </a:srgbClr>
+              </a:gs>
+            </a:gsLst>
+            <a:path path="circle">
+              <a:fillToRect t="100000" r="100000"/>
+            </a:path>
+            <a:tileRect l="-100000" b="-100000"/>
+          </a:gradFill>
+        </p:spPr>
+        <p:txBody>
+          <a:bodyPr>
+            <a:normAutofit/>
+          </a:bodyPr>
+          <a:lstStyle/>
+          <a:p>
+            <a:pPr algn="l"/>
+            <a:r>
+              <a:rPr lang="en-US" altLang="zh-TW" b="1" dirty="0">
+                <a:solidFill>
+                  <a:srgbClr val="FFFF00"/>
+                </a:solidFill>
+              </a:rPr>
+              <a:t>1 Introduction</a:t>
+            </a:r>
+            <a:endParaRPr lang="zh-TW" altLang="en-US" b="1" dirty="0">
+              <a:solidFill>
+                <a:srgbClr val="FFFF00"/>
+              </a:solidFill>
+            </a:endParaRPr>
+          </a:p>
+        </p:txBody>
+      </p:sp>
+      <p:sp>
+        <p:nvSpPr>
+          <p:cNvPr id="3" name="副標題 2"/>
+          <p:cNvSpPr>
+            <a:spLocks noGrp="1"/>
+          </p:cNvSpPr>
+          <p:nvPr>
+            <p:ph type="subTitle" idx="1"/>
+          </p:nvPr>
+        </p:nvSpPr>
+        <p:spPr>
+          <a:xfrm>
+            <a:off x="467544" y="1268759"/>
+            <a:ext cx="8352928" cy="648073"/>
+          </a:xfrm>
+          <a:ln>
+            <a:solidFill>
+              <a:srgbClr val="C00000"/>
+            </a:solidFill>
+          </a:ln>
+        </p:spPr>
+        <p:txBody>
+          <a:bodyPr>
+            <a:noAutofit/>
+          </a:bodyPr>
+          <a:lstStyle/>
+          <a:p>
+            <a:pPr marL="342900" indent="-342900" algn="l">
+              <a:buClr>
+                <a:srgbClr val="0070C0"/>
+              </a:buClr>
+              <a:buSzPct val="80000"/>
+              <a:buFont typeface="Wingdings" pitchFamily="2" charset="2"/>
+              <a:buChar char="u"/>
+            </a:pPr>
+            <a:r>
+              <a:rPr lang="en-US" sz="1800" b="1" dirty="0">
+                <a:solidFill>
+                  <a:schemeClr val="tx1"/>
+                </a:solidFill>
+              </a:rPr>
+              <a:t>Introduction</a:t>
+            </a:r>
+          </a:p>
+          <a:p>
+            <a:pPr marL="342900" indent="-342900" algn="l">
+              <a:buClr>
+                <a:srgbClr val="0070C0"/>
+              </a:buClr>
+              <a:buSzPct val="80000"/>
+              <a:buFont typeface="Wingdings" pitchFamily="2" charset="2"/>
+              <a:buChar char="u"/>
+            </a:pPr>
+            <a:r>
+              <a:rPr lang="en-US" sz="1800" b="1" dirty="0">
+                <a:solidFill>
+                  <a:schemeClr val="tx1"/>
+                </a:solidFill>
+              </a:rPr>
+              <a:t>Outlines:</a:t>
+            </a:r>
+          </a:p>
+          <a:p>
+            <a:pPr algn="l">
+              <a:buClr>
+                <a:srgbClr val="0070C0"/>
+              </a:buClr>
+              <a:buSzPct val="80000"/>
+            </a:pPr>
+            <a:endParaRPr lang="en-US" sz="1800" b="1" dirty="0">
+              <a:solidFill>
+                <a:schemeClr val="tx1"/>
+              </a:solidFill>
+            </a:endParaRPr>
+          </a:p>
+        </p:txBody>
+      </p:sp>
+      <p:sp>
+        <p:nvSpPr>
+          <p:cNvPr id="4" name="標題 1"/>
+          <p:cNvSpPr txBox="1">
+            <a:spLocks/>
+          </p:cNvSpPr>
+          <p:nvPr/>
+        </p:nvSpPr>
+        <p:spPr>
+          <a:xfrm>
+            <a:off x="0" y="764704"/>
+            <a:ext cx="9144000" cy="360040"/>
+          </a:xfrm>
+          <a:prstGeom prst="rect">
+            <a:avLst/>
+          </a:prstGeom>
+          <a:gradFill flip="none" rotWithShape="1">
+            <a:gsLst>
+              <a:gs pos="0">
+                <a:srgbClr val="00B0F0">
+                  <a:shade val="30000"/>
+                  <a:satMod val="115000"/>
+                </a:srgbClr>
+              </a:gs>
+              <a:gs pos="50000">
+                <a:srgbClr val="00B0F0">
+                  <a:shade val="67500"/>
+                  <a:satMod val="115000"/>
+                </a:srgbClr>
+              </a:gs>
+              <a:gs pos="100000">
+                <a:srgbClr val="00B0F0">
+                  <a:shade val="100000"/>
+                  <a:satMod val="115000"/>
+                </a:srgbClr>
+              </a:gs>
+            </a:gsLst>
+            <a:path path="circle">
+              <a:fillToRect t="100000" r="100000"/>
+            </a:path>
+            <a:tileRect l="-100000" b="-100000"/>
+          </a:gradFill>
+        </p:spPr>
+        <p:txBody>
+          <a:bodyPr vert="horz" lIns="91440" tIns="45720" rIns="91440" bIns="45720" rtlCol="0" anchor="ctr">
+            <a:normAutofit/>
+          </a:bodyPr>
+          <a:lstStyle/>
+          <a:p>
+            <a:pPr lvl="0">
+              <a:spcBef>
+                <a:spcPct val="0"/>
+              </a:spcBef>
+            </a:pPr>
+            <a:r>
+              <a:rPr lang="en-US" sz="1600" dirty="0">
+                <a:hlinkClick r:id="rId2"/>
+              </a:rPr>
+              <a:t>https://www.youtube.com/watch?v=3V9eqvkMzHA&amp;list=PLPW8O6W-1chwyTzI3BHwBLbGQoPFxPAPM</a:t>
+            </a:r>
+            <a:endParaRPr kumimoji="0" lang="zh-TW" altLang="en-US" sz="1600" b="0" i="0" u="none" strike="noStrike" kern="1200" cap="none" spc="0" normalizeH="0" baseline="0" noProof="0" dirty="0">
+              <a:ln>
+                <a:noFill/>
+              </a:ln>
+              <a:solidFill>
+                <a:schemeClr val="tx1"/>
+              </a:solidFill>
+              <a:effectLst/>
+              <a:uLnTx/>
+              <a:uFillTx/>
+              <a:latin typeface="+mj-lt"/>
+              <a:ea typeface="+mj-ea"/>
+              <a:cs typeface="+mj-cs"/>
+            </a:endParaRPr>
+          </a:p>
+        </p:txBody>
+      </p:sp>
+      <p:sp>
+        <p:nvSpPr>
+          <p:cNvPr id="5" name="日期版面配置區 4"/>
+          <p:cNvSpPr>
+            <a:spLocks noGrp="1"/>
+          </p:cNvSpPr>
+          <p:nvPr>
+            <p:ph type="dt" sz="half" idx="10"/>
+          </p:nvPr>
+        </p:nvSpPr>
+        <p:spPr/>
+        <p:txBody>
+          <a:bodyPr/>
+          <a:lstStyle/>
+          <a:p>
+            <a:fld id="{A4F910E6-8D00-4BAF-8C48-9688E0B449D3}" type="datetime1">
+              <a:rPr lang="zh-TW" altLang="en-US" smtClean="0"/>
+              <a:pPr/>
+              <a:t>2020/6/23</a:t>
+            </a:fld>
+            <a:endParaRPr lang="zh-TW" altLang="en-US"/>
+          </a:p>
+        </p:txBody>
+      </p:sp>
+      <p:sp>
+        <p:nvSpPr>
+          <p:cNvPr id="6" name="投影片編號版面配置區 5"/>
+          <p:cNvSpPr>
+            <a:spLocks noGrp="1"/>
+          </p:cNvSpPr>
+          <p:nvPr>
+            <p:ph type="sldNum" sz="quarter" idx="12"/>
+          </p:nvPr>
+        </p:nvSpPr>
+        <p:spPr/>
+        <p:txBody>
+          <a:bodyPr/>
+          <a:lstStyle/>
+          <a:p>
+            <a:fld id="{E4D7E63D-91F2-4366-A2C4-1B00C9E2590E}" type="slidenum">
+              <a:rPr lang="zh-TW" altLang="en-US" smtClean="0"/>
+              <a:pPr/>
+              <a:t>2</a:t>
+            </a:fld>
+            <a:endParaRPr lang="zh-TW" altLang="en-US"/>
+          </a:p>
+        </p:txBody>
+      </p:sp>
+      <p:pic>
+        <p:nvPicPr>
+          <p:cNvPr id="10" name="Picture 9">
+            <a:extLst>
+              <a:ext uri="{FF2B5EF4-FFF2-40B4-BE49-F238E27FC236}">
+                <a16:creationId xmlns:a16="http://schemas.microsoft.com/office/drawing/2014/main" id="{B5611C5D-CC9E-4E37-B9BB-4867AB16F3B4}"/>
+              </a:ext>
+            </a:extLst>
+          </p:cNvPr>
+          <p:cNvPicPr>
+            <a:picLocks noChangeAspect="1"/>
+          </p:cNvPicPr>
+          <p:nvPr/>
+        </p:nvPicPr>
+        <p:blipFill>
+          <a:blip r:embed="rId3"/>
+          <a:stretch>
+            <a:fillRect/>
+          </a:stretch>
+        </p:blipFill>
+        <p:spPr>
+          <a:xfrm>
+            <a:off x="900112" y="2084079"/>
+            <a:ext cx="7343775" cy="3914775"/>
+          </a:xfrm>
+          <a:prstGeom prst="rect">
+            <a:avLst/>
+          </a:prstGeom>
+          <a:ln>
+            <a:solidFill>
+              <a:srgbClr val="C00000"/>
+            </a:solidFill>
+          </a:ln>
+        </p:spPr>
+      </p:pic>
+    </p:spTree>
+  </p:cSld>
+  <p:clrMapOvr>
+    <a:masterClrMapping/>
+  </p:clrMapOvr>
+</p:sld>
+</file>
+
+<file path=ppt/slides/slide20.xml><?xml version="1.0" encoding="utf-8"?>
+<p:sld xmlns:a="http://schemas.openxmlformats.org/drawingml/2006/main" xmlns:r="http://schemas.openxmlformats.org/officeDocument/2006/relationships" xmlns:p="http://schemas.openxmlformats.org/presentationml/2006/main">
+  <p:cSld>
+    <p:spTree>
+      <p:nvGrpSpPr>
+        <p:cNvPr id="1" name=""/>
+        <p:cNvGrpSpPr/>
+        <p:nvPr/>
+      </p:nvGrpSpPr>
+      <p:grpSpPr>
+        <a:xfrm>
+          <a:off x="0" y="0"/>
+          <a:ext cx="0" cy="0"/>
+          <a:chOff x="0" y="0"/>
+          <a:chExt cx="0" cy="0"/>
+        </a:xfrm>
+      </p:grpSpPr>
+      <p:sp>
+        <p:nvSpPr>
+          <p:cNvPr id="2" name="標題 1"/>
+          <p:cNvSpPr>
+            <a:spLocks noGrp="1"/>
+          </p:cNvSpPr>
+          <p:nvPr>
+            <p:ph type="ctrTitle"/>
+          </p:nvPr>
+        </p:nvSpPr>
+        <p:spPr>
+          <a:xfrm>
+            <a:off x="0" y="1"/>
+            <a:ext cx="9144000" cy="764704"/>
+          </a:xfrm>
+          <a:gradFill flip="none" rotWithShape="1">
+            <a:gsLst>
+              <a:gs pos="0">
+                <a:srgbClr val="C00000">
+                  <a:shade val="30000"/>
+                  <a:satMod val="115000"/>
+                </a:srgbClr>
+              </a:gs>
+              <a:gs pos="50000">
+                <a:srgbClr val="C00000">
+                  <a:shade val="67500"/>
+                  <a:satMod val="115000"/>
+                </a:srgbClr>
+              </a:gs>
+              <a:gs pos="100000">
+                <a:srgbClr val="C00000">
+                  <a:shade val="100000"/>
+                  <a:satMod val="115000"/>
+                </a:srgbClr>
+              </a:gs>
+            </a:gsLst>
+            <a:path path="circle">
+              <a:fillToRect t="100000" r="100000"/>
+            </a:path>
+            <a:tileRect l="-100000" b="-100000"/>
+          </a:gradFill>
+        </p:spPr>
+        <p:txBody>
+          <a:bodyPr>
+            <a:normAutofit/>
+          </a:bodyPr>
+          <a:lstStyle/>
+          <a:p>
+            <a:pPr algn="l"/>
+            <a:r>
+              <a:rPr lang="en-US" altLang="zh-TW" b="1" dirty="0">
+                <a:solidFill>
+                  <a:srgbClr val="FFFF00"/>
+                </a:solidFill>
+              </a:rPr>
+              <a:t>1 Introduction</a:t>
+            </a:r>
+            <a:endParaRPr lang="zh-TW" altLang="en-US" b="1" dirty="0">
+              <a:solidFill>
+                <a:srgbClr val="FFFF00"/>
+              </a:solidFill>
+            </a:endParaRPr>
+          </a:p>
+        </p:txBody>
+      </p:sp>
+      <p:sp>
+        <p:nvSpPr>
+          <p:cNvPr id="3" name="副標題 2"/>
+          <p:cNvSpPr>
+            <a:spLocks noGrp="1"/>
+          </p:cNvSpPr>
+          <p:nvPr>
+            <p:ph type="subTitle" idx="1"/>
+          </p:nvPr>
+        </p:nvSpPr>
+        <p:spPr>
+          <a:xfrm>
+            <a:off x="457200" y="1268282"/>
+            <a:ext cx="8352928" cy="1151651"/>
+          </a:xfrm>
+          <a:ln>
+            <a:solidFill>
+              <a:srgbClr val="C00000"/>
+            </a:solidFill>
+          </a:ln>
+        </p:spPr>
+        <p:txBody>
+          <a:bodyPr>
+            <a:noAutofit/>
+          </a:bodyPr>
+          <a:lstStyle/>
+          <a:p>
+            <a:pPr marL="342900" indent="-342900" algn="l">
+              <a:buClr>
+                <a:srgbClr val="0070C0"/>
+              </a:buClr>
+              <a:buSzPct val="80000"/>
+              <a:buFont typeface="Wingdings" pitchFamily="2" charset="2"/>
+              <a:buChar char="u"/>
+            </a:pPr>
+            <a:r>
+              <a:rPr lang="en-US" sz="1800" b="1" dirty="0">
+                <a:solidFill>
+                  <a:schemeClr val="tx1"/>
+                </a:solidFill>
+              </a:rPr>
+              <a:t>Introduction</a:t>
+            </a:r>
+          </a:p>
+          <a:p>
+            <a:pPr marL="342900" indent="-342900" algn="l">
+              <a:buClr>
+                <a:srgbClr val="0070C0"/>
+              </a:buClr>
+              <a:buSzPct val="80000"/>
+              <a:buFont typeface="Wingdings" pitchFamily="2" charset="2"/>
+              <a:buChar char="u"/>
+            </a:pPr>
+            <a:r>
+              <a:rPr lang="en-US" sz="1800" dirty="0">
+                <a:solidFill>
+                  <a:schemeClr val="tx1"/>
+                </a:solidFill>
+              </a:rPr>
+              <a:t>TI Microcontroller has the complete self-contained board: USB debugger, ARM Cortex-M4F microcontroller, RGB LED, two user switches, and connectors for experiment. </a:t>
+            </a:r>
+          </a:p>
+          <a:p>
+            <a:pPr algn="l">
+              <a:buClr>
+                <a:srgbClr val="0070C0"/>
+              </a:buClr>
+              <a:buSzPct val="80000"/>
+            </a:pPr>
+            <a:endParaRPr lang="en-US" sz="1800" b="1" dirty="0">
+              <a:solidFill>
+                <a:schemeClr val="tx1"/>
+              </a:solidFill>
+            </a:endParaRPr>
+          </a:p>
+        </p:txBody>
+      </p:sp>
+      <p:sp>
+        <p:nvSpPr>
+          <p:cNvPr id="4" name="標題 1"/>
+          <p:cNvSpPr txBox="1">
+            <a:spLocks/>
+          </p:cNvSpPr>
+          <p:nvPr/>
+        </p:nvSpPr>
+        <p:spPr>
+          <a:xfrm>
+            <a:off x="0" y="764704"/>
+            <a:ext cx="9144000" cy="360040"/>
+          </a:xfrm>
+          <a:prstGeom prst="rect">
+            <a:avLst/>
+          </a:prstGeom>
+          <a:gradFill flip="none" rotWithShape="1">
+            <a:gsLst>
+              <a:gs pos="0">
+                <a:srgbClr val="00B0F0">
+                  <a:shade val="30000"/>
+                  <a:satMod val="115000"/>
+                </a:srgbClr>
+              </a:gs>
+              <a:gs pos="50000">
+                <a:srgbClr val="00B0F0">
+                  <a:shade val="67500"/>
+                  <a:satMod val="115000"/>
+                </a:srgbClr>
+              </a:gs>
+              <a:gs pos="100000">
+                <a:srgbClr val="00B0F0">
+                  <a:shade val="100000"/>
+                  <a:satMod val="115000"/>
+                </a:srgbClr>
+              </a:gs>
+            </a:gsLst>
+            <a:path path="circle">
+              <a:fillToRect t="100000" r="100000"/>
+            </a:path>
+            <a:tileRect l="-100000" b="-100000"/>
+          </a:gradFill>
+        </p:spPr>
+        <p:txBody>
+          <a:bodyPr vert="horz" lIns="91440" tIns="45720" rIns="91440" bIns="45720" rtlCol="0" anchor="ctr">
+            <a:normAutofit/>
+          </a:bodyPr>
+          <a:lstStyle/>
+          <a:p>
+            <a:pPr lvl="0">
+              <a:spcBef>
+                <a:spcPct val="0"/>
+              </a:spcBef>
+            </a:pPr>
+            <a:r>
+              <a:rPr lang="en-US" sz="1600" dirty="0">
+                <a:hlinkClick r:id="rId2"/>
+              </a:rPr>
+              <a:t>https://www.youtube.com/watch?v=3V9eqvkMzHA&amp;list=PLPW8O6W-1chwyTzI3BHwBLbGQoPFxPAPM</a:t>
+            </a:r>
+            <a:endParaRPr kumimoji="0" lang="zh-TW" altLang="en-US" sz="1600" b="0" i="0" u="none" strike="noStrike" kern="1200" cap="none" spc="0" normalizeH="0" baseline="0" noProof="0" dirty="0">
+              <a:ln>
+                <a:noFill/>
+              </a:ln>
+              <a:solidFill>
+                <a:schemeClr val="tx1"/>
+              </a:solidFill>
+              <a:effectLst/>
+              <a:uLnTx/>
+              <a:uFillTx/>
+              <a:latin typeface="+mj-lt"/>
+              <a:ea typeface="+mj-ea"/>
+              <a:cs typeface="+mj-cs"/>
+            </a:endParaRPr>
+          </a:p>
+        </p:txBody>
+      </p:sp>
+      <p:sp>
+        <p:nvSpPr>
+          <p:cNvPr id="5" name="日期版面配置區 4"/>
+          <p:cNvSpPr>
+            <a:spLocks noGrp="1"/>
+          </p:cNvSpPr>
+          <p:nvPr>
+            <p:ph type="dt" sz="half" idx="10"/>
+          </p:nvPr>
+        </p:nvSpPr>
+        <p:spPr/>
+        <p:txBody>
+          <a:bodyPr/>
+          <a:lstStyle/>
+          <a:p>
+            <a:fld id="{A4F910E6-8D00-4BAF-8C48-9688E0B449D3}" type="datetime1">
+              <a:rPr lang="zh-TW" altLang="en-US" smtClean="0"/>
+              <a:pPr/>
+              <a:t>2020/6/23</a:t>
+            </a:fld>
+            <a:endParaRPr lang="zh-TW" altLang="en-US"/>
+          </a:p>
+        </p:txBody>
+      </p:sp>
+      <p:sp>
+        <p:nvSpPr>
+          <p:cNvPr id="6" name="投影片編號版面配置區 5"/>
+          <p:cNvSpPr>
+            <a:spLocks noGrp="1"/>
+          </p:cNvSpPr>
+          <p:nvPr>
+            <p:ph type="sldNum" sz="quarter" idx="12"/>
+          </p:nvPr>
+        </p:nvSpPr>
+        <p:spPr/>
+        <p:txBody>
+          <a:bodyPr/>
+          <a:lstStyle/>
+          <a:p>
+            <a:fld id="{E4D7E63D-91F2-4366-A2C4-1B00C9E2590E}" type="slidenum">
+              <a:rPr lang="zh-TW" altLang="en-US" smtClean="0"/>
+              <a:pPr/>
+              <a:t>20</a:t>
+            </a:fld>
+            <a:endParaRPr lang="zh-TW" altLang="en-US"/>
+          </a:p>
+        </p:txBody>
+      </p:sp>
+      <p:pic>
+        <p:nvPicPr>
+          <p:cNvPr id="7" name="Picture 6">
+            <a:extLst>
+              <a:ext uri="{FF2B5EF4-FFF2-40B4-BE49-F238E27FC236}">
+                <a16:creationId xmlns:a16="http://schemas.microsoft.com/office/drawing/2014/main" id="{F6095A54-4774-4051-9E7A-79622DD4033B}"/>
+              </a:ext>
+            </a:extLst>
+          </p:cNvPr>
+          <p:cNvPicPr>
+            <a:picLocks noChangeAspect="1"/>
+          </p:cNvPicPr>
+          <p:nvPr/>
+        </p:nvPicPr>
+        <p:blipFill>
+          <a:blip r:embed="rId3"/>
+          <a:stretch>
+            <a:fillRect/>
+          </a:stretch>
+        </p:blipFill>
+        <p:spPr>
+          <a:xfrm>
+            <a:off x="1619672" y="2563471"/>
+            <a:ext cx="6228978" cy="3718406"/>
+          </a:xfrm>
+          <a:prstGeom prst="rect">
+            <a:avLst/>
+          </a:prstGeom>
+          <a:ln>
+            <a:solidFill>
+              <a:srgbClr val="C00000"/>
+            </a:solidFill>
+          </a:ln>
+        </p:spPr>
+      </p:pic>
+    </p:spTree>
+    <p:extLst>
+      <p:ext uri="{BB962C8B-B14F-4D97-AF65-F5344CB8AC3E}">
+        <p14:creationId xmlns:p14="http://schemas.microsoft.com/office/powerpoint/2010/main" val="3434475810"/>
+      </p:ext>
+    </p:extLst>
+  </p:cSld>
+  <p:clrMapOvr>
+    <a:masterClrMapping/>
+  </p:clrMapOvr>
+</p:sld>
+</file>
+
+<file path=ppt/slides/slide21.xml><?xml version="1.0" encoding="utf-8"?>
+<p:sld xmlns:a="http://schemas.openxmlformats.org/drawingml/2006/main" xmlns:r="http://schemas.openxmlformats.org/officeDocument/2006/relationships" xmlns:p="http://schemas.openxmlformats.org/presentationml/2006/main">
+  <p:cSld>
+    <p:spTree>
+      <p:nvGrpSpPr>
+        <p:cNvPr id="1" name=""/>
+        <p:cNvGrpSpPr/>
+        <p:nvPr/>
+      </p:nvGrpSpPr>
+      <p:grpSpPr>
+        <a:xfrm>
+          <a:off x="0" y="0"/>
+          <a:ext cx="0" cy="0"/>
+          <a:chOff x="0" y="0"/>
+          <a:chExt cx="0" cy="0"/>
+        </a:xfrm>
+      </p:grpSpPr>
+      <p:sp>
+        <p:nvSpPr>
+          <p:cNvPr id="2" name="標題 1"/>
+          <p:cNvSpPr>
+            <a:spLocks noGrp="1"/>
+          </p:cNvSpPr>
+          <p:nvPr>
+            <p:ph type="ctrTitle"/>
+          </p:nvPr>
+        </p:nvSpPr>
+        <p:spPr>
+          <a:xfrm>
+            <a:off x="0" y="2130425"/>
+            <a:ext cx="9144000" cy="1470025"/>
+          </a:xfrm>
+          <a:solidFill>
+            <a:srgbClr val="00B0F0"/>
+          </a:solidFill>
+        </p:spPr>
+        <p:txBody>
+          <a:bodyPr>
+            <a:normAutofit/>
+          </a:bodyPr>
+          <a:lstStyle/>
+          <a:p>
+            <a:r>
+              <a:rPr lang="en-US" altLang="zh-TW" sz="4800" b="1" dirty="0">
+                <a:solidFill>
+                  <a:srgbClr val="FFFF00"/>
+                </a:solidFill>
+              </a:rPr>
+              <a:t>1.1 Quiz</a:t>
+            </a:r>
+            <a:endParaRPr lang="zh-TW" altLang="en-US" sz="4800" b="1" dirty="0">
+              <a:solidFill>
+                <a:srgbClr val="FFFF00"/>
+              </a:solidFill>
+            </a:endParaRPr>
+          </a:p>
+        </p:txBody>
+      </p:sp>
+      <p:sp>
+        <p:nvSpPr>
+          <p:cNvPr id="5" name="日期版面配置區 4"/>
+          <p:cNvSpPr>
+            <a:spLocks noGrp="1"/>
+          </p:cNvSpPr>
+          <p:nvPr>
+            <p:ph type="dt" sz="half" idx="10"/>
+          </p:nvPr>
+        </p:nvSpPr>
+        <p:spPr/>
+        <p:txBody>
+          <a:bodyPr/>
+          <a:lstStyle/>
+          <a:p>
+            <a:fld id="{C389EDC9-19E3-47AC-9C57-C6A24DEA81AD}" type="datetime1">
+              <a:rPr lang="zh-TW" altLang="en-US" smtClean="0"/>
+              <a:pPr/>
+              <a:t>2020/6/23</a:t>
+            </a:fld>
+            <a:endParaRPr lang="zh-TW" altLang="en-US"/>
+          </a:p>
+        </p:txBody>
+      </p:sp>
+      <p:sp>
+        <p:nvSpPr>
+          <p:cNvPr id="6" name="投影片編號版面配置區 5"/>
+          <p:cNvSpPr>
+            <a:spLocks noGrp="1"/>
+          </p:cNvSpPr>
+          <p:nvPr>
+            <p:ph type="sldNum" sz="quarter" idx="12"/>
+          </p:nvPr>
+        </p:nvSpPr>
+        <p:spPr/>
+        <p:txBody>
+          <a:bodyPr/>
+          <a:lstStyle/>
+          <a:p>
+            <a:fld id="{E4D7E63D-91F2-4366-A2C4-1B00C9E2590E}" type="slidenum">
+              <a:rPr lang="zh-TW" altLang="en-US" smtClean="0"/>
+              <a:pPr/>
+              <a:t>21</a:t>
+            </a:fld>
+            <a:endParaRPr lang="zh-TW" altLang="en-US"/>
+          </a:p>
+        </p:txBody>
+      </p:sp>
+      <p:pic>
+        <p:nvPicPr>
+          <p:cNvPr id="8" name="Picture 2" descr="C++ - Wikipedia">
+            <a:extLst>
+              <a:ext uri="{FF2B5EF4-FFF2-40B4-BE49-F238E27FC236}">
+                <a16:creationId xmlns:a16="http://schemas.microsoft.com/office/drawing/2014/main" id="{2AA42753-33EB-46CA-9CB8-D92C35A227D1}"/>
+              </a:ext>
+            </a:extLst>
+          </p:cNvPr>
+          <p:cNvPicPr>
+            <a:picLocks noChangeAspect="1" noChangeArrowheads="1"/>
+          </p:cNvPicPr>
+          <p:nvPr/>
+        </p:nvPicPr>
+        <p:blipFill>
+          <a:blip r:embed="rId2" cstate="print">
+            <a:extLst>
+              <a:ext uri="{28A0092B-C50C-407E-A947-70E740481C1C}">
+                <a14:useLocalDpi xmlns:a14="http://schemas.microsoft.com/office/drawing/2010/main" val="0"/>
+              </a:ext>
+            </a:extLst>
+          </a:blip>
+          <a:srcRect/>
+          <a:stretch>
+            <a:fillRect/>
+          </a:stretch>
+        </p:blipFill>
+        <p:spPr bwMode="auto">
+          <a:xfrm>
+            <a:off x="4081605" y="3680766"/>
+            <a:ext cx="756853" cy="849675"/>
+          </a:xfrm>
+          <a:prstGeom prst="rect">
+            <a:avLst/>
+          </a:prstGeom>
+          <a:noFill/>
+          <a:extLst>
+            <a:ext uri="{909E8E84-426E-40DD-AFC4-6F175D3DCCD1}">
+              <a14:hiddenFill xmlns:a14="http://schemas.microsoft.com/office/drawing/2010/main">
+                <a:solidFill>
+                  <a:srgbClr val="FFFFFF"/>
+                </a:solidFill>
+              </a14:hiddenFill>
+            </a:ext>
+          </a:extLst>
+        </p:spPr>
+      </p:pic>
+    </p:spTree>
+    <p:extLst>
+      <p:ext uri="{BB962C8B-B14F-4D97-AF65-F5344CB8AC3E}">
+        <p14:creationId xmlns:p14="http://schemas.microsoft.com/office/powerpoint/2010/main" val="2473554574"/>
+      </p:ext>
+    </p:extLst>
+  </p:cSld>
+  <p:clrMapOvr>
+    <a:masterClrMapping/>
+  </p:clrMapOvr>
+</p:sld>
+</file>
+
+<file path=ppt/slides/slide22.xml><?xml version="1.0" encoding="utf-8"?>
+<p:sld xmlns:a="http://schemas.openxmlformats.org/drawingml/2006/main" xmlns:r="http://schemas.openxmlformats.org/officeDocument/2006/relationships" xmlns:p="http://schemas.openxmlformats.org/presentationml/2006/main">
+  <p:cSld>
+    <p:spTree>
+      <p:nvGrpSpPr>
+        <p:cNvPr id="1" name=""/>
+        <p:cNvGrpSpPr/>
+        <p:nvPr/>
+      </p:nvGrpSpPr>
+      <p:grpSpPr>
+        <a:xfrm>
+          <a:off x="0" y="0"/>
+          <a:ext cx="0" cy="0"/>
+          <a:chOff x="0" y="0"/>
+          <a:chExt cx="0" cy="0"/>
+        </a:xfrm>
+      </p:grpSpPr>
+      <p:sp>
+        <p:nvSpPr>
+          <p:cNvPr id="2" name="標題 1"/>
+          <p:cNvSpPr>
+            <a:spLocks noGrp="1"/>
+          </p:cNvSpPr>
+          <p:nvPr>
+            <p:ph type="ctrTitle"/>
+          </p:nvPr>
+        </p:nvSpPr>
+        <p:spPr>
+          <a:xfrm>
+            <a:off x="0" y="1"/>
+            <a:ext cx="9144000" cy="764704"/>
+          </a:xfrm>
+          <a:gradFill flip="none" rotWithShape="1">
+            <a:gsLst>
+              <a:gs pos="0">
+                <a:srgbClr val="C00000">
+                  <a:shade val="30000"/>
+                  <a:satMod val="115000"/>
+                </a:srgbClr>
+              </a:gs>
+              <a:gs pos="50000">
+                <a:srgbClr val="C00000">
+                  <a:shade val="67500"/>
+                  <a:satMod val="115000"/>
+                </a:srgbClr>
+              </a:gs>
+              <a:gs pos="100000">
+                <a:srgbClr val="C00000">
+                  <a:shade val="100000"/>
+                  <a:satMod val="115000"/>
+                </a:srgbClr>
+              </a:gs>
+            </a:gsLst>
+            <a:path path="circle">
+              <a:fillToRect t="100000" r="100000"/>
+            </a:path>
+            <a:tileRect l="-100000" b="-100000"/>
+          </a:gradFill>
+        </p:spPr>
+        <p:txBody>
+          <a:bodyPr>
+            <a:normAutofit/>
+          </a:bodyPr>
+          <a:lstStyle/>
+          <a:p>
+            <a:pPr algn="l"/>
+            <a:r>
+              <a:rPr lang="en-US" altLang="zh-TW" b="1" dirty="0">
+                <a:solidFill>
+                  <a:srgbClr val="FFFF00"/>
+                </a:solidFill>
+              </a:rPr>
+              <a:t>1.1 Quiz</a:t>
+            </a:r>
+            <a:endParaRPr lang="zh-TW" altLang="en-US" b="1" dirty="0">
+              <a:solidFill>
+                <a:srgbClr val="FFFF00"/>
+              </a:solidFill>
+            </a:endParaRPr>
+          </a:p>
+        </p:txBody>
+      </p:sp>
+      <p:sp>
+        <p:nvSpPr>
+          <p:cNvPr id="3" name="副標題 2"/>
+          <p:cNvSpPr>
+            <a:spLocks noGrp="1"/>
+          </p:cNvSpPr>
+          <p:nvPr>
+            <p:ph type="subTitle" idx="1"/>
+          </p:nvPr>
+        </p:nvSpPr>
+        <p:spPr>
+          <a:xfrm>
+            <a:off x="425697" y="1259368"/>
+            <a:ext cx="8106743" cy="2385656"/>
+          </a:xfrm>
+          <a:ln>
+            <a:solidFill>
+              <a:srgbClr val="C00000"/>
+            </a:solidFill>
+          </a:ln>
+        </p:spPr>
+        <p:txBody>
+          <a:bodyPr>
+            <a:noAutofit/>
+          </a:bodyPr>
+          <a:lstStyle/>
+          <a:p>
+            <a:pPr marL="342900" indent="-342900" algn="l">
+              <a:buClr>
+                <a:srgbClr val="0070C0"/>
+              </a:buClr>
+              <a:buSzPct val="80000"/>
+              <a:buFont typeface="Wingdings" pitchFamily="2" charset="2"/>
+              <a:buChar char="u"/>
+            </a:pPr>
+            <a:r>
+              <a:rPr lang="en-US" sz="1800" b="1" dirty="0">
+                <a:solidFill>
+                  <a:schemeClr val="tx1"/>
+                </a:solidFill>
+              </a:rPr>
+              <a:t>Quiz</a:t>
+            </a:r>
+          </a:p>
+          <a:p>
+            <a:pPr marL="342900" indent="-342900" algn="l">
+              <a:buClr>
+                <a:srgbClr val="0070C0"/>
+              </a:buClr>
+              <a:buSzPct val="80000"/>
+              <a:buFont typeface="Wingdings" pitchFamily="2" charset="2"/>
+              <a:buChar char="u"/>
+            </a:pPr>
+            <a:r>
+              <a:rPr lang="en-US" sz="1800" dirty="0">
+                <a:solidFill>
+                  <a:schemeClr val="tx1"/>
+                </a:solidFill>
+              </a:rPr>
+              <a:t>1. What is IAR stand for?</a:t>
+            </a:r>
+          </a:p>
+          <a:p>
+            <a:pPr marL="342900" indent="-342900" algn="l">
+              <a:buClr>
+                <a:srgbClr val="0070C0"/>
+              </a:buClr>
+              <a:buSzPct val="80000"/>
+              <a:buFont typeface="Wingdings" pitchFamily="2" charset="2"/>
+              <a:buChar char="u"/>
+            </a:pPr>
+            <a:r>
+              <a:rPr lang="en-US" sz="1800" dirty="0">
+                <a:solidFill>
+                  <a:schemeClr val="tx1"/>
+                </a:solidFill>
+              </a:rPr>
+              <a:t>Ans: IAM is Sweden company name stand for “Engineering Company of Andrew  </a:t>
+            </a:r>
+            <a:r>
+              <a:rPr lang="en-US" sz="1800" dirty="0" err="1">
+                <a:solidFill>
+                  <a:schemeClr val="tx1"/>
+                </a:solidFill>
+              </a:rPr>
+              <a:t>Rundgren</a:t>
+            </a:r>
+            <a:r>
+              <a:rPr lang="en-US" sz="1800" dirty="0">
+                <a:solidFill>
+                  <a:schemeClr val="tx1"/>
+                </a:solidFill>
+              </a:rPr>
+              <a:t>)</a:t>
+            </a:r>
+          </a:p>
+          <a:p>
+            <a:pPr marL="342900" indent="-342900" algn="l">
+              <a:buClr>
+                <a:srgbClr val="0070C0"/>
+              </a:buClr>
+              <a:buSzPct val="80000"/>
+              <a:buFont typeface="Wingdings" pitchFamily="2" charset="2"/>
+              <a:buChar char="u"/>
+            </a:pPr>
+            <a:r>
+              <a:rPr lang="en-US" sz="1800" dirty="0">
+                <a:solidFill>
+                  <a:schemeClr val="tx1"/>
+                </a:solidFill>
+              </a:rPr>
+              <a:t>2. What is IAR for?</a:t>
+            </a:r>
+          </a:p>
+          <a:p>
+            <a:pPr marL="342900" indent="-342900" algn="l">
+              <a:buClr>
+                <a:srgbClr val="0070C0"/>
+              </a:buClr>
+              <a:buSzPct val="80000"/>
+              <a:buFont typeface="Wingdings" pitchFamily="2" charset="2"/>
+              <a:buChar char="u"/>
+            </a:pPr>
+            <a:r>
+              <a:rPr lang="en-US" sz="1800" dirty="0">
+                <a:solidFill>
+                  <a:schemeClr val="tx1"/>
+                </a:solidFill>
+              </a:rPr>
+              <a:t>Ans: It is IDE for firmware development. It provide the simulation and integrates ARM based device driver for  TI, NXP, and </a:t>
+            </a:r>
+            <a:r>
+              <a:rPr lang="en-US" sz="1800">
+                <a:solidFill>
+                  <a:schemeClr val="tx1"/>
+                </a:solidFill>
+              </a:rPr>
+              <a:t>etc.</a:t>
+            </a:r>
+            <a:endParaRPr lang="en-US" sz="1800" dirty="0">
+              <a:solidFill>
+                <a:schemeClr val="tx1"/>
+              </a:solidFill>
+            </a:endParaRPr>
+          </a:p>
+          <a:p>
+            <a:pPr marL="342900" indent="-342900" algn="l">
+              <a:buClr>
+                <a:srgbClr val="0070C0"/>
+              </a:buClr>
+              <a:buSzPct val="80000"/>
+              <a:buFont typeface="Wingdings" pitchFamily="2" charset="2"/>
+              <a:buChar char="u"/>
+            </a:pPr>
+            <a:endParaRPr lang="en-US" sz="1800" dirty="0">
+              <a:solidFill>
+                <a:schemeClr val="tx1"/>
+              </a:solidFill>
+            </a:endParaRPr>
+          </a:p>
+        </p:txBody>
+      </p:sp>
+      <p:sp>
+        <p:nvSpPr>
+          <p:cNvPr id="4" name="標題 1"/>
+          <p:cNvSpPr txBox="1">
+            <a:spLocks/>
+          </p:cNvSpPr>
+          <p:nvPr/>
+        </p:nvSpPr>
+        <p:spPr>
+          <a:xfrm>
+            <a:off x="0" y="764704"/>
+            <a:ext cx="9144000" cy="360040"/>
+          </a:xfrm>
+          <a:prstGeom prst="rect">
+            <a:avLst/>
+          </a:prstGeom>
+          <a:gradFill flip="none" rotWithShape="1">
+            <a:gsLst>
+              <a:gs pos="0">
+                <a:srgbClr val="00B0F0">
+                  <a:shade val="30000"/>
+                  <a:satMod val="115000"/>
+                </a:srgbClr>
+              </a:gs>
+              <a:gs pos="50000">
+                <a:srgbClr val="00B0F0">
+                  <a:shade val="67500"/>
+                  <a:satMod val="115000"/>
+                </a:srgbClr>
+              </a:gs>
+              <a:gs pos="100000">
+                <a:srgbClr val="00B0F0">
+                  <a:shade val="100000"/>
+                  <a:satMod val="115000"/>
+                </a:srgbClr>
+              </a:gs>
+            </a:gsLst>
+            <a:path path="circle">
+              <a:fillToRect t="100000" r="100000"/>
+            </a:path>
+            <a:tileRect l="-100000" b="-100000"/>
+          </a:gradFill>
+        </p:spPr>
+        <p:txBody>
+          <a:bodyPr vert="horz" lIns="91440" tIns="45720" rIns="91440" bIns="45720" rtlCol="0" anchor="ctr">
+            <a:normAutofit/>
+          </a:bodyPr>
+          <a:lstStyle/>
+          <a:p>
+            <a:pPr lvl="0">
+              <a:spcBef>
+                <a:spcPct val="0"/>
+              </a:spcBef>
+            </a:pPr>
+            <a:r>
+              <a:rPr lang="en-US" sz="1600" dirty="0">
+                <a:hlinkClick r:id="rId2"/>
+              </a:rPr>
+              <a:t>https://www.youtube.com/watch?v=3V9eqvkMzHA&amp;list=PLPW8O6W-1chwyTzI3BHwBLbGQoPFxPAPM</a:t>
+            </a:r>
+            <a:endParaRPr lang="zh-TW" altLang="en-US" sz="1600" dirty="0"/>
+          </a:p>
+        </p:txBody>
+      </p:sp>
+      <p:sp>
+        <p:nvSpPr>
+          <p:cNvPr id="5" name="日期版面配置區 4"/>
+          <p:cNvSpPr>
+            <a:spLocks noGrp="1"/>
+          </p:cNvSpPr>
+          <p:nvPr>
+            <p:ph type="dt" sz="half" idx="10"/>
+          </p:nvPr>
+        </p:nvSpPr>
+        <p:spPr/>
+        <p:txBody>
+          <a:bodyPr/>
+          <a:lstStyle/>
+          <a:p>
+            <a:fld id="{A4F910E6-8D00-4BAF-8C48-9688E0B449D3}" type="datetime1">
+              <a:rPr lang="zh-TW" altLang="en-US" smtClean="0"/>
+              <a:pPr/>
+              <a:t>2020/6/23</a:t>
+            </a:fld>
+            <a:endParaRPr lang="zh-TW" altLang="en-US"/>
+          </a:p>
+        </p:txBody>
+      </p:sp>
+      <p:sp>
+        <p:nvSpPr>
+          <p:cNvPr id="6" name="投影片編號版面配置區 5"/>
+          <p:cNvSpPr>
+            <a:spLocks noGrp="1"/>
+          </p:cNvSpPr>
+          <p:nvPr>
+            <p:ph type="sldNum" sz="quarter" idx="12"/>
+          </p:nvPr>
+        </p:nvSpPr>
+        <p:spPr/>
+        <p:txBody>
+          <a:bodyPr/>
+          <a:lstStyle/>
+          <a:p>
+            <a:fld id="{E4D7E63D-91F2-4366-A2C4-1B00C9E2590E}" type="slidenum">
+              <a:rPr lang="zh-TW" altLang="en-US" smtClean="0"/>
+              <a:pPr/>
+              <a:t>22</a:t>
+            </a:fld>
+            <a:endParaRPr lang="zh-TW" altLang="en-US"/>
+          </a:p>
+        </p:txBody>
+      </p:sp>
+    </p:spTree>
+    <p:extLst>
+      <p:ext uri="{BB962C8B-B14F-4D97-AF65-F5344CB8AC3E}">
+        <p14:creationId xmlns:p14="http://schemas.microsoft.com/office/powerpoint/2010/main" val="774443681"/>
+      </p:ext>
+    </p:extLst>
+  </p:cSld>
+  <p:clrMapOvr>
+    <a:masterClrMapping/>
+  </p:clrMapOvr>
+</p:sld>
+</file>
+
+<file path=ppt/slides/slide23.xml><?xml version="1.0" encoding="utf-8"?>
+<p:sld xmlns:a="http://schemas.openxmlformats.org/drawingml/2006/main" xmlns:r="http://schemas.openxmlformats.org/officeDocument/2006/relationships" xmlns:p="http://schemas.openxmlformats.org/presentationml/2006/main">
+  <p:cSld>
+    <p:spTree>
+      <p:nvGrpSpPr>
+        <p:cNvPr id="1" name=""/>
+        <p:cNvGrpSpPr/>
+        <p:nvPr/>
+      </p:nvGrpSpPr>
+      <p:grpSpPr>
+        <a:xfrm>
+          <a:off x="0" y="0"/>
+          <a:ext cx="0" cy="0"/>
+          <a:chOff x="0" y="0"/>
+          <a:chExt cx="0" cy="0"/>
+        </a:xfrm>
+      </p:grpSpPr>
+      <p:sp>
+        <p:nvSpPr>
+          <p:cNvPr id="2" name="標題 1"/>
+          <p:cNvSpPr>
+            <a:spLocks noGrp="1"/>
+          </p:cNvSpPr>
+          <p:nvPr>
+            <p:ph type="ctrTitle"/>
+          </p:nvPr>
+        </p:nvSpPr>
+        <p:spPr>
+          <a:xfrm>
+            <a:off x="0" y="2130425"/>
+            <a:ext cx="9144000" cy="1470025"/>
+          </a:xfrm>
+          <a:gradFill flip="none" rotWithShape="1">
+            <a:gsLst>
+              <a:gs pos="0">
+                <a:srgbClr val="00B0F0">
+                  <a:shade val="30000"/>
+                  <a:satMod val="115000"/>
+                </a:srgbClr>
+              </a:gs>
+              <a:gs pos="50000">
+                <a:srgbClr val="00B0F0">
+                  <a:shade val="67500"/>
+                  <a:satMod val="115000"/>
+                </a:srgbClr>
+              </a:gs>
+              <a:gs pos="100000">
+                <a:srgbClr val="00B0F0">
+                  <a:shade val="100000"/>
+                  <a:satMod val="115000"/>
+                </a:srgbClr>
+              </a:gs>
+            </a:gsLst>
+            <a:path path="circle">
+              <a:fillToRect t="100000" r="100000"/>
+            </a:path>
+            <a:tileRect l="-100000" b="-100000"/>
+          </a:gradFill>
+        </p:spPr>
+        <p:txBody>
+          <a:bodyPr>
+            <a:normAutofit/>
+          </a:bodyPr>
+          <a:lstStyle/>
+          <a:p>
+            <a:r>
+              <a:rPr lang="en-US" altLang="zh-TW" sz="6000" b="1" dirty="0">
+                <a:solidFill>
+                  <a:srgbClr val="FFFF00"/>
+                </a:solidFill>
+              </a:rPr>
+              <a:t>End of Chapter</a:t>
+            </a:r>
+            <a:endParaRPr lang="zh-TW" altLang="en-US" sz="6000" b="1" dirty="0">
+              <a:solidFill>
+                <a:srgbClr val="FFFF00"/>
+              </a:solidFill>
+            </a:endParaRPr>
+          </a:p>
+        </p:txBody>
+      </p:sp>
+      <p:sp>
+        <p:nvSpPr>
+          <p:cNvPr id="5" name="日期版面配置區 4"/>
+          <p:cNvSpPr>
+            <a:spLocks noGrp="1"/>
+          </p:cNvSpPr>
+          <p:nvPr>
+            <p:ph type="dt" sz="half" idx="10"/>
+          </p:nvPr>
+        </p:nvSpPr>
+        <p:spPr/>
+        <p:txBody>
+          <a:bodyPr/>
+          <a:lstStyle/>
+          <a:p>
+            <a:fld id="{4E46BE27-E923-4EC2-B046-3272AE2A3E5C}" type="datetime1">
+              <a:rPr lang="zh-TW" altLang="en-US" smtClean="0"/>
+              <a:pPr/>
+              <a:t>2020/6/23</a:t>
+            </a:fld>
+            <a:endParaRPr lang="zh-TW" altLang="en-US"/>
+          </a:p>
+        </p:txBody>
+      </p:sp>
+      <p:sp>
+        <p:nvSpPr>
+          <p:cNvPr id="6" name="投影片編號版面配置區 5"/>
+          <p:cNvSpPr>
+            <a:spLocks noGrp="1"/>
+          </p:cNvSpPr>
+          <p:nvPr>
+            <p:ph type="sldNum" sz="quarter" idx="12"/>
+          </p:nvPr>
+        </p:nvSpPr>
+        <p:spPr/>
+        <p:txBody>
+          <a:bodyPr/>
+          <a:lstStyle/>
+          <a:p>
+            <a:fld id="{E4D7E63D-91F2-4366-A2C4-1B00C9E2590E}" type="slidenum">
+              <a:rPr lang="zh-TW" altLang="en-US" smtClean="0"/>
+              <a:pPr/>
+              <a:t>23</a:t>
+            </a:fld>
+            <a:endParaRPr lang="zh-TW" altLang="en-US"/>
+          </a:p>
+        </p:txBody>
+      </p:sp>
+    </p:spTree>
+  </p:cSld>
+  <p:clrMapOvr>
+    <a:masterClrMapping/>
+  </p:clrMapOvr>
+</p:sld>
+</file>
+
+<file path=ppt/slides/slide3.xml><?xml version="1.0" encoding="utf-8"?>
+<p:sld xmlns:a="http://schemas.openxmlformats.org/drawingml/2006/main" xmlns:r="http://schemas.openxmlformats.org/officeDocument/2006/relationships" xmlns:p="http://schemas.openxmlformats.org/presentationml/2006/main">
+  <p:cSld>
+    <p:spTree>
+      <p:nvGrpSpPr>
+        <p:cNvPr id="1" name=""/>
+        <p:cNvGrpSpPr/>
+        <p:nvPr/>
+      </p:nvGrpSpPr>
+      <p:grpSpPr>
+        <a:xfrm>
+          <a:off x="0" y="0"/>
+          <a:ext cx="0" cy="0"/>
+          <a:chOff x="0" y="0"/>
+          <a:chExt cx="0" cy="0"/>
+        </a:xfrm>
+      </p:grpSpPr>
+      <p:sp>
+        <p:nvSpPr>
+          <p:cNvPr id="2" name="標題 1"/>
+          <p:cNvSpPr>
+            <a:spLocks noGrp="1"/>
+          </p:cNvSpPr>
+          <p:nvPr>
+            <p:ph type="ctrTitle"/>
+          </p:nvPr>
+        </p:nvSpPr>
+        <p:spPr>
+          <a:xfrm>
+            <a:off x="0" y="1"/>
+            <a:ext cx="9144000" cy="764704"/>
+          </a:xfrm>
+          <a:gradFill flip="none" rotWithShape="1">
+            <a:gsLst>
+              <a:gs pos="0">
+                <a:srgbClr val="C00000">
+                  <a:shade val="30000"/>
+                  <a:satMod val="115000"/>
+                </a:srgbClr>
+              </a:gs>
+              <a:gs pos="50000">
+                <a:srgbClr val="C00000">
+                  <a:shade val="67500"/>
+                  <a:satMod val="115000"/>
+                </a:srgbClr>
+              </a:gs>
+              <a:gs pos="100000">
+                <a:srgbClr val="C00000">
+                  <a:shade val="100000"/>
+                  <a:satMod val="115000"/>
+                </a:srgbClr>
+              </a:gs>
+            </a:gsLst>
+            <a:path path="circle">
+              <a:fillToRect t="100000" r="100000"/>
+            </a:path>
+            <a:tileRect l="-100000" b="-100000"/>
+          </a:gradFill>
+        </p:spPr>
+        <p:txBody>
+          <a:bodyPr>
+            <a:normAutofit/>
+          </a:bodyPr>
+          <a:lstStyle/>
+          <a:p>
+            <a:pPr algn="l"/>
+            <a:r>
+              <a:rPr lang="en-US" altLang="zh-TW" b="1" dirty="0">
+                <a:solidFill>
+                  <a:srgbClr val="FFFF00"/>
+                </a:solidFill>
+              </a:rPr>
+              <a:t>1 Introduction</a:t>
+            </a:r>
+            <a:endParaRPr lang="zh-TW" altLang="en-US" b="1" dirty="0">
+              <a:solidFill>
+                <a:srgbClr val="FFFF00"/>
+              </a:solidFill>
+            </a:endParaRPr>
+          </a:p>
+        </p:txBody>
+      </p:sp>
+      <p:sp>
+        <p:nvSpPr>
+          <p:cNvPr id="3" name="副標題 2"/>
+          <p:cNvSpPr>
+            <a:spLocks noGrp="1"/>
+          </p:cNvSpPr>
+          <p:nvPr>
+            <p:ph type="subTitle" idx="1"/>
+          </p:nvPr>
+        </p:nvSpPr>
+        <p:spPr>
+          <a:xfrm>
+            <a:off x="467544" y="1268759"/>
+            <a:ext cx="8352928" cy="936105"/>
+          </a:xfrm>
+          <a:ln>
+            <a:solidFill>
+              <a:srgbClr val="C00000"/>
+            </a:solidFill>
+          </a:ln>
+        </p:spPr>
+        <p:txBody>
+          <a:bodyPr>
+            <a:noAutofit/>
+          </a:bodyPr>
+          <a:lstStyle/>
+          <a:p>
+            <a:pPr marL="342900" indent="-342900" algn="l">
+              <a:buClr>
+                <a:srgbClr val="0070C0"/>
+              </a:buClr>
+              <a:buSzPct val="80000"/>
+              <a:buFont typeface="Wingdings" pitchFamily="2" charset="2"/>
+              <a:buChar char="u"/>
+            </a:pPr>
+            <a:r>
+              <a:rPr lang="en-US" sz="1800" b="1" dirty="0">
+                <a:solidFill>
+                  <a:schemeClr val="tx1"/>
+                </a:solidFill>
+              </a:rPr>
+              <a:t>Introduction</a:t>
+            </a:r>
+          </a:p>
+          <a:p>
+            <a:pPr marL="342900" indent="-342900" algn="l">
+              <a:buClr>
+                <a:srgbClr val="0070C0"/>
+              </a:buClr>
+              <a:buSzPct val="80000"/>
+              <a:buFont typeface="Wingdings" pitchFamily="2" charset="2"/>
+              <a:buChar char="u"/>
+            </a:pPr>
+            <a:r>
+              <a:rPr lang="en-US" sz="1800" b="1" dirty="0">
+                <a:solidFill>
+                  <a:schemeClr val="tx1"/>
+                </a:solidFill>
+              </a:rPr>
+              <a:t>Software developer tool: IAR (Engineering Company of Ander </a:t>
+            </a:r>
+            <a:r>
+              <a:rPr lang="en-US" sz="1800" b="1" dirty="0" err="1">
+                <a:solidFill>
+                  <a:schemeClr val="tx1"/>
+                </a:solidFill>
+              </a:rPr>
+              <a:t>Rundgren</a:t>
+            </a:r>
+            <a:r>
+              <a:rPr lang="en-US" sz="1800" b="1" dirty="0">
+                <a:solidFill>
+                  <a:schemeClr val="tx1"/>
+                </a:solidFill>
+              </a:rPr>
+              <a:t> at Sweden)</a:t>
+            </a:r>
+          </a:p>
+          <a:p>
+            <a:pPr algn="l">
+              <a:buClr>
+                <a:srgbClr val="0070C0"/>
+              </a:buClr>
+              <a:buSzPct val="80000"/>
+            </a:pPr>
+            <a:endParaRPr lang="en-US" sz="1800" b="1" dirty="0">
+              <a:solidFill>
+                <a:schemeClr val="tx1"/>
+              </a:solidFill>
+            </a:endParaRPr>
+          </a:p>
+        </p:txBody>
+      </p:sp>
+      <p:sp>
+        <p:nvSpPr>
+          <p:cNvPr id="4" name="標題 1"/>
+          <p:cNvSpPr txBox="1">
+            <a:spLocks/>
+          </p:cNvSpPr>
+          <p:nvPr/>
+        </p:nvSpPr>
+        <p:spPr>
+          <a:xfrm>
+            <a:off x="0" y="764704"/>
+            <a:ext cx="9144000" cy="360040"/>
+          </a:xfrm>
+          <a:prstGeom prst="rect">
+            <a:avLst/>
+          </a:prstGeom>
+          <a:gradFill flip="none" rotWithShape="1">
+            <a:gsLst>
+              <a:gs pos="0">
+                <a:srgbClr val="00B0F0">
+                  <a:shade val="30000"/>
+                  <a:satMod val="115000"/>
+                </a:srgbClr>
+              </a:gs>
+              <a:gs pos="50000">
+                <a:srgbClr val="00B0F0">
+                  <a:shade val="67500"/>
+                  <a:satMod val="115000"/>
+                </a:srgbClr>
+              </a:gs>
+              <a:gs pos="100000">
+                <a:srgbClr val="00B0F0">
+                  <a:shade val="100000"/>
+                  <a:satMod val="115000"/>
+                </a:srgbClr>
+              </a:gs>
+            </a:gsLst>
+            <a:path path="circle">
+              <a:fillToRect t="100000" r="100000"/>
+            </a:path>
+            <a:tileRect l="-100000" b="-100000"/>
+          </a:gradFill>
+        </p:spPr>
+        <p:txBody>
+          <a:bodyPr vert="horz" lIns="91440" tIns="45720" rIns="91440" bIns="45720" rtlCol="0" anchor="ctr">
+            <a:normAutofit/>
+          </a:bodyPr>
+          <a:lstStyle/>
+          <a:p>
+            <a:pPr lvl="0">
+              <a:spcBef>
+                <a:spcPct val="0"/>
+              </a:spcBef>
+            </a:pPr>
+            <a:r>
+              <a:rPr lang="en-US" sz="1600" dirty="0">
+                <a:hlinkClick r:id="rId2"/>
+              </a:rPr>
+              <a:t>https://www.youtube.com/watch?v=3V9eqvkMzHA&amp;list=PLPW8O6W-1chwyTzI3BHwBLbGQoPFxPAPM</a:t>
+            </a:r>
+            <a:endParaRPr kumimoji="0" lang="zh-TW" altLang="en-US" sz="1600" b="0" i="0" u="none" strike="noStrike" kern="1200" cap="none" spc="0" normalizeH="0" baseline="0" noProof="0" dirty="0">
+              <a:ln>
+                <a:noFill/>
+              </a:ln>
+              <a:solidFill>
+                <a:schemeClr val="tx1"/>
+              </a:solidFill>
+              <a:effectLst/>
+              <a:uLnTx/>
+              <a:uFillTx/>
+              <a:latin typeface="+mj-lt"/>
+              <a:ea typeface="+mj-ea"/>
+              <a:cs typeface="+mj-cs"/>
+            </a:endParaRPr>
+          </a:p>
+        </p:txBody>
+      </p:sp>
+      <p:sp>
+        <p:nvSpPr>
+          <p:cNvPr id="5" name="日期版面配置區 4"/>
+          <p:cNvSpPr>
+            <a:spLocks noGrp="1"/>
+          </p:cNvSpPr>
+          <p:nvPr>
+            <p:ph type="dt" sz="half" idx="10"/>
+          </p:nvPr>
+        </p:nvSpPr>
+        <p:spPr/>
+        <p:txBody>
+          <a:bodyPr/>
+          <a:lstStyle/>
+          <a:p>
+            <a:fld id="{A4F910E6-8D00-4BAF-8C48-9688E0B449D3}" type="datetime1">
+              <a:rPr lang="zh-TW" altLang="en-US" smtClean="0"/>
+              <a:pPr/>
+              <a:t>2020/6/23</a:t>
+            </a:fld>
+            <a:endParaRPr lang="zh-TW" altLang="en-US"/>
+          </a:p>
+        </p:txBody>
+      </p:sp>
+      <p:sp>
+        <p:nvSpPr>
+          <p:cNvPr id="6" name="投影片編號版面配置區 5"/>
+          <p:cNvSpPr>
+            <a:spLocks noGrp="1"/>
+          </p:cNvSpPr>
+          <p:nvPr>
+            <p:ph type="sldNum" sz="quarter" idx="12"/>
+          </p:nvPr>
+        </p:nvSpPr>
+        <p:spPr/>
+        <p:txBody>
+          <a:bodyPr/>
+          <a:lstStyle/>
+          <a:p>
+            <a:fld id="{E4D7E63D-91F2-4366-A2C4-1B00C9E2590E}" type="slidenum">
+              <a:rPr lang="zh-TW" altLang="en-US" smtClean="0"/>
+              <a:pPr/>
+              <a:t>3</a:t>
+            </a:fld>
+            <a:endParaRPr lang="zh-TW" altLang="en-US"/>
+          </a:p>
+        </p:txBody>
+      </p:sp>
+      <p:pic>
+        <p:nvPicPr>
+          <p:cNvPr id="7" name="Picture 6">
+            <a:extLst>
+              <a:ext uri="{FF2B5EF4-FFF2-40B4-BE49-F238E27FC236}">
+                <a16:creationId xmlns:a16="http://schemas.microsoft.com/office/drawing/2014/main" id="{BD778307-DCC2-4C38-8E18-ABAEB679590B}"/>
+              </a:ext>
+            </a:extLst>
+          </p:cNvPr>
+          <p:cNvPicPr>
+            <a:picLocks noChangeAspect="1"/>
+          </p:cNvPicPr>
+          <p:nvPr/>
+        </p:nvPicPr>
+        <p:blipFill>
+          <a:blip r:embed="rId3"/>
+          <a:stretch>
+            <a:fillRect/>
+          </a:stretch>
+        </p:blipFill>
+        <p:spPr>
+          <a:xfrm>
+            <a:off x="1247681" y="2348879"/>
+            <a:ext cx="6648638" cy="3600400"/>
+          </a:xfrm>
+          <a:prstGeom prst="rect">
+            <a:avLst/>
+          </a:prstGeom>
+          <a:ln>
+            <a:solidFill>
+              <a:srgbClr val="C00000"/>
+            </a:solidFill>
+          </a:ln>
+        </p:spPr>
+      </p:pic>
+    </p:spTree>
+    <p:extLst>
+      <p:ext uri="{BB962C8B-B14F-4D97-AF65-F5344CB8AC3E}">
+        <p14:creationId xmlns:p14="http://schemas.microsoft.com/office/powerpoint/2010/main" val="3665019890"/>
+      </p:ext>
+    </p:extLst>
+  </p:cSld>
+  <p:clrMapOvr>
+    <a:masterClrMapping/>
+  </p:clrMapOvr>
+</p:sld>
+</file>
+
+<file path=ppt/slides/slide4.xml><?xml version="1.0" encoding="utf-8"?>
+<p:sld xmlns:a="http://schemas.openxmlformats.org/drawingml/2006/main" xmlns:r="http://schemas.openxmlformats.org/officeDocument/2006/relationships" xmlns:p="http://schemas.openxmlformats.org/presentationml/2006/main">
+  <p:cSld>
+    <p:spTree>
+      <p:nvGrpSpPr>
+        <p:cNvPr id="1" name=""/>
+        <p:cNvGrpSpPr/>
+        <p:nvPr/>
+      </p:nvGrpSpPr>
+      <p:grpSpPr>
+        <a:xfrm>
+          <a:off x="0" y="0"/>
+          <a:ext cx="0" cy="0"/>
+          <a:chOff x="0" y="0"/>
+          <a:chExt cx="0" cy="0"/>
+        </a:xfrm>
+      </p:grpSpPr>
+      <p:sp>
+        <p:nvSpPr>
+          <p:cNvPr id="2" name="標題 1"/>
+          <p:cNvSpPr>
+            <a:spLocks noGrp="1"/>
+          </p:cNvSpPr>
+          <p:nvPr>
+            <p:ph type="ctrTitle"/>
+          </p:nvPr>
+        </p:nvSpPr>
+        <p:spPr>
+          <a:xfrm>
+            <a:off x="0" y="1"/>
+            <a:ext cx="9144000" cy="764704"/>
+          </a:xfrm>
+          <a:gradFill flip="none" rotWithShape="1">
+            <a:gsLst>
+              <a:gs pos="0">
+                <a:srgbClr val="C00000">
+                  <a:shade val="30000"/>
+                  <a:satMod val="115000"/>
+                </a:srgbClr>
+              </a:gs>
+              <a:gs pos="50000">
+                <a:srgbClr val="C00000">
+                  <a:shade val="67500"/>
+                  <a:satMod val="115000"/>
+                </a:srgbClr>
+              </a:gs>
+              <a:gs pos="100000">
+                <a:srgbClr val="C00000">
+                  <a:shade val="100000"/>
+                  <a:satMod val="115000"/>
+                </a:srgbClr>
+              </a:gs>
+            </a:gsLst>
+            <a:path path="circle">
+              <a:fillToRect t="100000" r="100000"/>
+            </a:path>
+            <a:tileRect l="-100000" b="-100000"/>
+          </a:gradFill>
+        </p:spPr>
+        <p:txBody>
+          <a:bodyPr>
+            <a:normAutofit/>
+          </a:bodyPr>
+          <a:lstStyle/>
+          <a:p>
+            <a:pPr algn="l"/>
+            <a:r>
+              <a:rPr lang="en-US" altLang="zh-TW" b="1" dirty="0">
+                <a:solidFill>
+                  <a:srgbClr val="FFFF00"/>
+                </a:solidFill>
+              </a:rPr>
+              <a:t>1 Introduction</a:t>
+            </a:r>
+            <a:endParaRPr lang="zh-TW" altLang="en-US" b="1" dirty="0">
+              <a:solidFill>
+                <a:srgbClr val="FFFF00"/>
+              </a:solidFill>
+            </a:endParaRPr>
+          </a:p>
+        </p:txBody>
+      </p:sp>
+      <p:sp>
+        <p:nvSpPr>
+          <p:cNvPr id="3" name="副標題 2"/>
+          <p:cNvSpPr>
+            <a:spLocks noGrp="1"/>
+          </p:cNvSpPr>
+          <p:nvPr>
+            <p:ph type="subTitle" idx="1"/>
+          </p:nvPr>
+        </p:nvSpPr>
+        <p:spPr>
+          <a:xfrm>
+            <a:off x="467544" y="1268759"/>
+            <a:ext cx="8352928" cy="1080121"/>
+          </a:xfrm>
+          <a:ln>
+            <a:solidFill>
+              <a:srgbClr val="C00000"/>
+            </a:solidFill>
+          </a:ln>
+        </p:spPr>
+        <p:txBody>
+          <a:bodyPr>
+            <a:noAutofit/>
+          </a:bodyPr>
+          <a:lstStyle/>
+          <a:p>
+            <a:pPr marL="342900" indent="-342900" algn="l">
+              <a:buClr>
+                <a:srgbClr val="0070C0"/>
+              </a:buClr>
+              <a:buSzPct val="80000"/>
+              <a:buFont typeface="Wingdings" pitchFamily="2" charset="2"/>
+              <a:buChar char="u"/>
+            </a:pPr>
+            <a:r>
+              <a:rPr lang="en-US" sz="1800" b="1" dirty="0">
+                <a:solidFill>
+                  <a:schemeClr val="tx1"/>
+                </a:solidFill>
+              </a:rPr>
+              <a:t>Introduction</a:t>
+            </a:r>
+          </a:p>
+          <a:p>
+            <a:pPr marL="342900" indent="-342900" algn="l">
+              <a:buClr>
+                <a:srgbClr val="0070C0"/>
+              </a:buClr>
+              <a:buSzPct val="80000"/>
+              <a:buFont typeface="Wingdings" pitchFamily="2" charset="2"/>
+              <a:buChar char="u"/>
+            </a:pPr>
+            <a:r>
+              <a:rPr lang="en-US" sz="1800" b="1" dirty="0">
+                <a:solidFill>
+                  <a:schemeClr val="tx1"/>
+                </a:solidFill>
+              </a:rPr>
+              <a:t>Hardware tool kit: Texas Instrument </a:t>
+            </a:r>
+            <a:r>
+              <a:rPr lang="en-US" sz="1800" b="1" dirty="0" err="1">
+                <a:solidFill>
+                  <a:schemeClr val="tx1"/>
+                </a:solidFill>
+              </a:rPr>
+              <a:t>Stellaris</a:t>
+            </a:r>
+            <a:r>
+              <a:rPr lang="en-US" sz="1800" b="1" dirty="0">
+                <a:solidFill>
+                  <a:schemeClr val="tx1"/>
+                </a:solidFill>
+              </a:rPr>
+              <a:t> Microcontroller</a:t>
+            </a:r>
+          </a:p>
+          <a:p>
+            <a:pPr marL="342900" indent="-342900" algn="l">
+              <a:buClr>
+                <a:srgbClr val="0070C0"/>
+              </a:buClr>
+              <a:buSzPct val="80000"/>
+              <a:buFont typeface="Wingdings" pitchFamily="2" charset="2"/>
+              <a:buChar char="u"/>
+            </a:pPr>
+            <a:r>
+              <a:rPr lang="en-US" sz="1800" b="1" dirty="0">
+                <a:solidFill>
+                  <a:schemeClr val="tx1"/>
+                </a:solidFill>
+              </a:rPr>
+              <a:t>You can develop with software Simulator without the board.</a:t>
+            </a:r>
+          </a:p>
+        </p:txBody>
+      </p:sp>
+      <p:sp>
+        <p:nvSpPr>
+          <p:cNvPr id="4" name="標題 1"/>
+          <p:cNvSpPr txBox="1">
+            <a:spLocks/>
+          </p:cNvSpPr>
+          <p:nvPr/>
+        </p:nvSpPr>
+        <p:spPr>
+          <a:xfrm>
+            <a:off x="0" y="764704"/>
+            <a:ext cx="9144000" cy="360040"/>
+          </a:xfrm>
+          <a:prstGeom prst="rect">
+            <a:avLst/>
+          </a:prstGeom>
+          <a:gradFill flip="none" rotWithShape="1">
+            <a:gsLst>
+              <a:gs pos="0">
+                <a:srgbClr val="00B0F0">
+                  <a:shade val="30000"/>
+                  <a:satMod val="115000"/>
+                </a:srgbClr>
+              </a:gs>
+              <a:gs pos="50000">
+                <a:srgbClr val="00B0F0">
+                  <a:shade val="67500"/>
+                  <a:satMod val="115000"/>
+                </a:srgbClr>
+              </a:gs>
+              <a:gs pos="100000">
+                <a:srgbClr val="00B0F0">
+                  <a:shade val="100000"/>
+                  <a:satMod val="115000"/>
+                </a:srgbClr>
+              </a:gs>
+            </a:gsLst>
+            <a:path path="circle">
+              <a:fillToRect t="100000" r="100000"/>
+            </a:path>
+            <a:tileRect l="-100000" b="-100000"/>
+          </a:gradFill>
+        </p:spPr>
+        <p:txBody>
+          <a:bodyPr vert="horz" lIns="91440" tIns="45720" rIns="91440" bIns="45720" rtlCol="0" anchor="ctr">
+            <a:normAutofit/>
+          </a:bodyPr>
+          <a:lstStyle/>
+          <a:p>
+            <a:pPr lvl="0">
+              <a:spcBef>
+                <a:spcPct val="0"/>
+              </a:spcBef>
+            </a:pPr>
+            <a:r>
+              <a:rPr lang="en-US" sz="1600" dirty="0">
+                <a:hlinkClick r:id="rId2"/>
+              </a:rPr>
+              <a:t>https://www.youtube.com/watch?v=3V9eqvkMzHA&amp;list=PLPW8O6W-1chwyTzI3BHwBLbGQoPFxPAPM</a:t>
+            </a:r>
+            <a:endParaRPr kumimoji="0" lang="zh-TW" altLang="en-US" sz="1600" b="0" i="0" u="none" strike="noStrike" kern="1200" cap="none" spc="0" normalizeH="0" baseline="0" noProof="0" dirty="0">
+              <a:ln>
+                <a:noFill/>
+              </a:ln>
+              <a:solidFill>
+                <a:schemeClr val="tx1"/>
+              </a:solidFill>
+              <a:effectLst/>
+              <a:uLnTx/>
+              <a:uFillTx/>
+              <a:latin typeface="+mj-lt"/>
+              <a:ea typeface="+mj-ea"/>
+              <a:cs typeface="+mj-cs"/>
+            </a:endParaRPr>
+          </a:p>
+        </p:txBody>
+      </p:sp>
+      <p:sp>
+        <p:nvSpPr>
+          <p:cNvPr id="5" name="日期版面配置區 4"/>
+          <p:cNvSpPr>
+            <a:spLocks noGrp="1"/>
+          </p:cNvSpPr>
+          <p:nvPr>
+            <p:ph type="dt" sz="half" idx="10"/>
+          </p:nvPr>
+        </p:nvSpPr>
+        <p:spPr/>
+        <p:txBody>
+          <a:bodyPr/>
+          <a:lstStyle/>
+          <a:p>
+            <a:fld id="{A4F910E6-8D00-4BAF-8C48-9688E0B449D3}" type="datetime1">
+              <a:rPr lang="zh-TW" altLang="en-US" smtClean="0"/>
+              <a:pPr/>
+              <a:t>2020/6/23</a:t>
+            </a:fld>
+            <a:endParaRPr lang="zh-TW" altLang="en-US"/>
+          </a:p>
+        </p:txBody>
+      </p:sp>
+      <p:sp>
+        <p:nvSpPr>
+          <p:cNvPr id="6" name="投影片編號版面配置區 5"/>
+          <p:cNvSpPr>
+            <a:spLocks noGrp="1"/>
+          </p:cNvSpPr>
+          <p:nvPr>
+            <p:ph type="sldNum" sz="quarter" idx="12"/>
+          </p:nvPr>
+        </p:nvSpPr>
+        <p:spPr/>
+        <p:txBody>
+          <a:bodyPr/>
+          <a:lstStyle/>
+          <a:p>
+            <a:fld id="{E4D7E63D-91F2-4366-A2C4-1B00C9E2590E}" type="slidenum">
+              <a:rPr lang="zh-TW" altLang="en-US" smtClean="0"/>
+              <a:pPr/>
+              <a:t>4</a:t>
+            </a:fld>
+            <a:endParaRPr lang="zh-TW" altLang="en-US"/>
+          </a:p>
+        </p:txBody>
+      </p:sp>
+      <p:pic>
+        <p:nvPicPr>
+          <p:cNvPr id="8" name="Picture 7">
+            <a:extLst>
+              <a:ext uri="{FF2B5EF4-FFF2-40B4-BE49-F238E27FC236}">
+                <a16:creationId xmlns:a16="http://schemas.microsoft.com/office/drawing/2014/main" id="{C0A3208D-521B-4BD3-BF16-33E0B523418A}"/>
+              </a:ext>
+            </a:extLst>
+          </p:cNvPr>
+          <p:cNvPicPr>
+            <a:picLocks noChangeAspect="1"/>
+          </p:cNvPicPr>
+          <p:nvPr/>
+        </p:nvPicPr>
+        <p:blipFill>
+          <a:blip r:embed="rId3"/>
+          <a:stretch>
+            <a:fillRect/>
+          </a:stretch>
+        </p:blipFill>
+        <p:spPr>
+          <a:xfrm>
+            <a:off x="1331640" y="2451356"/>
+            <a:ext cx="6798196" cy="3767473"/>
+          </a:xfrm>
+          <a:prstGeom prst="rect">
+            <a:avLst/>
+          </a:prstGeom>
+          <a:ln>
+            <a:solidFill>
+              <a:srgbClr val="C00000"/>
+            </a:solidFill>
+          </a:ln>
+        </p:spPr>
+      </p:pic>
+    </p:spTree>
+    <p:extLst>
+      <p:ext uri="{BB962C8B-B14F-4D97-AF65-F5344CB8AC3E}">
+        <p14:creationId xmlns:p14="http://schemas.microsoft.com/office/powerpoint/2010/main" val="3231752221"/>
+      </p:ext>
+    </p:extLst>
+  </p:cSld>
+  <p:clrMapOvr>
+    <a:masterClrMapping/>
+  </p:clrMapOvr>
+</p:sld>
+</file>
+
+<file path=ppt/slides/slide5.xml><?xml version="1.0" encoding="utf-8"?>
+<p:sld xmlns:a="http://schemas.openxmlformats.org/drawingml/2006/main" xmlns:r="http://schemas.openxmlformats.org/officeDocument/2006/relationships" xmlns:p="http://schemas.openxmlformats.org/presentationml/2006/main">
+  <p:cSld>
+    <p:spTree>
+      <p:nvGrpSpPr>
+        <p:cNvPr id="1" name=""/>
+        <p:cNvGrpSpPr/>
+        <p:nvPr/>
+      </p:nvGrpSpPr>
+      <p:grpSpPr>
+        <a:xfrm>
+          <a:off x="0" y="0"/>
+          <a:ext cx="0" cy="0"/>
+          <a:chOff x="0" y="0"/>
+          <a:chExt cx="0" cy="0"/>
+        </a:xfrm>
+      </p:grpSpPr>
+      <p:sp>
+        <p:nvSpPr>
+          <p:cNvPr id="2" name="標題 1"/>
+          <p:cNvSpPr>
+            <a:spLocks noGrp="1"/>
+          </p:cNvSpPr>
+          <p:nvPr>
+            <p:ph type="ctrTitle"/>
+          </p:nvPr>
+        </p:nvSpPr>
+        <p:spPr>
+          <a:xfrm>
+            <a:off x="0" y="1"/>
+            <a:ext cx="9144000" cy="764704"/>
+          </a:xfrm>
+          <a:gradFill flip="none" rotWithShape="1">
+            <a:gsLst>
+              <a:gs pos="0">
+                <a:srgbClr val="C00000">
+                  <a:shade val="30000"/>
+                  <a:satMod val="115000"/>
+                </a:srgbClr>
+              </a:gs>
+              <a:gs pos="50000">
+                <a:srgbClr val="C00000">
+                  <a:shade val="67500"/>
+                  <a:satMod val="115000"/>
+                </a:srgbClr>
+              </a:gs>
+              <a:gs pos="100000">
+                <a:srgbClr val="C00000">
+                  <a:shade val="100000"/>
+                  <a:satMod val="115000"/>
+                </a:srgbClr>
+              </a:gs>
+            </a:gsLst>
+            <a:path path="circle">
+              <a:fillToRect t="100000" r="100000"/>
+            </a:path>
+            <a:tileRect l="-100000" b="-100000"/>
+          </a:gradFill>
+        </p:spPr>
+        <p:txBody>
+          <a:bodyPr>
+            <a:normAutofit/>
+          </a:bodyPr>
+          <a:lstStyle/>
+          <a:p>
+            <a:pPr algn="l"/>
+            <a:r>
+              <a:rPr lang="en-US" altLang="zh-TW" b="1" dirty="0">
+                <a:solidFill>
+                  <a:srgbClr val="FFFF00"/>
+                </a:solidFill>
+              </a:rPr>
+              <a:t>1 Introduction</a:t>
+            </a:r>
+            <a:endParaRPr lang="zh-TW" altLang="en-US" b="1" dirty="0">
+              <a:solidFill>
+                <a:srgbClr val="FFFF00"/>
+              </a:solidFill>
+            </a:endParaRPr>
+          </a:p>
+        </p:txBody>
+      </p:sp>
+      <p:sp>
+        <p:nvSpPr>
+          <p:cNvPr id="3" name="副標題 2"/>
+          <p:cNvSpPr>
+            <a:spLocks noGrp="1"/>
+          </p:cNvSpPr>
+          <p:nvPr>
+            <p:ph type="subTitle" idx="1"/>
+          </p:nvPr>
+        </p:nvSpPr>
+        <p:spPr>
+          <a:xfrm>
+            <a:off x="467544" y="1268759"/>
+            <a:ext cx="8352928" cy="720081"/>
+          </a:xfrm>
+          <a:ln>
+            <a:solidFill>
+              <a:srgbClr val="C00000"/>
+            </a:solidFill>
+          </a:ln>
+        </p:spPr>
+        <p:txBody>
+          <a:bodyPr>
+            <a:noAutofit/>
+          </a:bodyPr>
+          <a:lstStyle/>
+          <a:p>
+            <a:pPr marL="342900" indent="-342900" algn="l">
+              <a:buClr>
+                <a:srgbClr val="0070C0"/>
+              </a:buClr>
+              <a:buSzPct val="80000"/>
+              <a:buFont typeface="Wingdings" pitchFamily="2" charset="2"/>
+              <a:buChar char="u"/>
+            </a:pPr>
+            <a:r>
+              <a:rPr lang="en-US" sz="1800" b="1" dirty="0">
+                <a:solidFill>
+                  <a:schemeClr val="tx1"/>
+                </a:solidFill>
+              </a:rPr>
+              <a:t>Introduction</a:t>
+            </a:r>
+          </a:p>
+          <a:p>
+            <a:pPr marL="342900" indent="-342900" algn="l">
+              <a:buClr>
+                <a:srgbClr val="0070C0"/>
+              </a:buClr>
+              <a:buSzPct val="80000"/>
+              <a:buFont typeface="Wingdings" pitchFamily="2" charset="2"/>
+              <a:buChar char="u"/>
+            </a:pPr>
+            <a:r>
+              <a:rPr lang="en-US" sz="1800" b="1" dirty="0">
+                <a:solidFill>
+                  <a:schemeClr val="tx1"/>
+                </a:solidFill>
+              </a:rPr>
+              <a:t>We can use instruction set simulator.</a:t>
+            </a:r>
+          </a:p>
+        </p:txBody>
+      </p:sp>
+      <p:sp>
+        <p:nvSpPr>
+          <p:cNvPr id="4" name="標題 1"/>
+          <p:cNvSpPr txBox="1">
+            <a:spLocks/>
+          </p:cNvSpPr>
+          <p:nvPr/>
+        </p:nvSpPr>
+        <p:spPr>
+          <a:xfrm>
+            <a:off x="0" y="764704"/>
+            <a:ext cx="9144000" cy="360040"/>
+          </a:xfrm>
+          <a:prstGeom prst="rect">
+            <a:avLst/>
+          </a:prstGeom>
+          <a:gradFill flip="none" rotWithShape="1">
+            <a:gsLst>
+              <a:gs pos="0">
+                <a:srgbClr val="00B0F0">
+                  <a:shade val="30000"/>
+                  <a:satMod val="115000"/>
+                </a:srgbClr>
+              </a:gs>
+              <a:gs pos="50000">
+                <a:srgbClr val="00B0F0">
+                  <a:shade val="67500"/>
+                  <a:satMod val="115000"/>
+                </a:srgbClr>
+              </a:gs>
+              <a:gs pos="100000">
+                <a:srgbClr val="00B0F0">
+                  <a:shade val="100000"/>
+                  <a:satMod val="115000"/>
+                </a:srgbClr>
+              </a:gs>
+            </a:gsLst>
+            <a:path path="circle">
+              <a:fillToRect t="100000" r="100000"/>
+            </a:path>
+            <a:tileRect l="-100000" b="-100000"/>
+          </a:gradFill>
+        </p:spPr>
+        <p:txBody>
+          <a:bodyPr vert="horz" lIns="91440" tIns="45720" rIns="91440" bIns="45720" rtlCol="0" anchor="ctr">
+            <a:normAutofit/>
+          </a:bodyPr>
+          <a:lstStyle/>
+          <a:p>
+            <a:pPr lvl="0">
+              <a:spcBef>
+                <a:spcPct val="0"/>
+              </a:spcBef>
+            </a:pPr>
+            <a:r>
+              <a:rPr lang="en-US" sz="1600" dirty="0">
+                <a:hlinkClick r:id="rId2"/>
+              </a:rPr>
+              <a:t>https://www.youtube.com/watch?v=3V9eqvkMzHA&amp;list=PLPW8O6W-1chwyTzI3BHwBLbGQoPFxPAPM</a:t>
+            </a:r>
+            <a:endParaRPr kumimoji="0" lang="zh-TW" altLang="en-US" sz="1600" b="0" i="0" u="none" strike="noStrike" kern="1200" cap="none" spc="0" normalizeH="0" baseline="0" noProof="0" dirty="0">
+              <a:ln>
+                <a:noFill/>
+              </a:ln>
+              <a:solidFill>
+                <a:schemeClr val="tx1"/>
+              </a:solidFill>
+              <a:effectLst/>
+              <a:uLnTx/>
+              <a:uFillTx/>
+              <a:latin typeface="+mj-lt"/>
+              <a:ea typeface="+mj-ea"/>
+              <a:cs typeface="+mj-cs"/>
+            </a:endParaRPr>
+          </a:p>
+        </p:txBody>
+      </p:sp>
+      <p:sp>
+        <p:nvSpPr>
+          <p:cNvPr id="5" name="日期版面配置區 4"/>
+          <p:cNvSpPr>
+            <a:spLocks noGrp="1"/>
+          </p:cNvSpPr>
+          <p:nvPr>
+            <p:ph type="dt" sz="half" idx="10"/>
+          </p:nvPr>
+        </p:nvSpPr>
+        <p:spPr/>
+        <p:txBody>
+          <a:bodyPr/>
+          <a:lstStyle/>
+          <a:p>
+            <a:fld id="{A4F910E6-8D00-4BAF-8C48-9688E0B449D3}" type="datetime1">
+              <a:rPr lang="zh-TW" altLang="en-US" smtClean="0"/>
+              <a:pPr/>
+              <a:t>2020/6/23</a:t>
+            </a:fld>
+            <a:endParaRPr lang="zh-TW" altLang="en-US"/>
+          </a:p>
+        </p:txBody>
+      </p:sp>
+      <p:sp>
+        <p:nvSpPr>
+          <p:cNvPr id="6" name="投影片編號版面配置區 5"/>
+          <p:cNvSpPr>
+            <a:spLocks noGrp="1"/>
+          </p:cNvSpPr>
+          <p:nvPr>
+            <p:ph type="sldNum" sz="quarter" idx="12"/>
+          </p:nvPr>
+        </p:nvSpPr>
+        <p:spPr/>
+        <p:txBody>
+          <a:bodyPr/>
+          <a:lstStyle/>
+          <a:p>
+            <a:fld id="{E4D7E63D-91F2-4366-A2C4-1B00C9E2590E}" type="slidenum">
+              <a:rPr lang="zh-TW" altLang="en-US" smtClean="0"/>
+              <a:pPr/>
+              <a:t>5</a:t>
+            </a:fld>
+            <a:endParaRPr lang="zh-TW" altLang="en-US"/>
+          </a:p>
+        </p:txBody>
+      </p:sp>
+      <p:pic>
+        <p:nvPicPr>
+          <p:cNvPr id="9" name="Picture 8">
+            <a:extLst>
+              <a:ext uri="{FF2B5EF4-FFF2-40B4-BE49-F238E27FC236}">
+                <a16:creationId xmlns:a16="http://schemas.microsoft.com/office/drawing/2014/main" id="{3D62E4BF-33B5-42C9-BA53-E3DE5F02E5C0}"/>
+              </a:ext>
+            </a:extLst>
+          </p:cNvPr>
+          <p:cNvPicPr>
+            <a:picLocks noChangeAspect="1"/>
+          </p:cNvPicPr>
+          <p:nvPr/>
+        </p:nvPicPr>
+        <p:blipFill>
+          <a:blip r:embed="rId3"/>
+          <a:stretch>
+            <a:fillRect/>
+          </a:stretch>
+        </p:blipFill>
+        <p:spPr>
+          <a:xfrm>
+            <a:off x="755576" y="2167213"/>
+            <a:ext cx="7312835" cy="3773023"/>
+          </a:xfrm>
+          <a:prstGeom prst="rect">
+            <a:avLst/>
+          </a:prstGeom>
+          <a:ln>
+            <a:solidFill>
+              <a:srgbClr val="C00000"/>
+            </a:solidFill>
+          </a:ln>
+        </p:spPr>
+      </p:pic>
+    </p:spTree>
+    <p:extLst>
+      <p:ext uri="{BB962C8B-B14F-4D97-AF65-F5344CB8AC3E}">
+        <p14:creationId xmlns:p14="http://schemas.microsoft.com/office/powerpoint/2010/main" val="4135721661"/>
+      </p:ext>
+    </p:extLst>
+  </p:cSld>
+  <p:clrMapOvr>
+    <a:masterClrMapping/>
+  </p:clrMapOvr>
+</p:sld>
+</file>
+
+<file path=ppt/slides/slide6.xml><?xml version="1.0" encoding="utf-8"?>
+<p:sld xmlns:a="http://schemas.openxmlformats.org/drawingml/2006/main" xmlns:r="http://schemas.openxmlformats.org/officeDocument/2006/relationships" xmlns:p="http://schemas.openxmlformats.org/presentationml/2006/main">
+  <p:cSld>
+    <p:spTree>
+      <p:nvGrpSpPr>
+        <p:cNvPr id="1" name=""/>
+        <p:cNvGrpSpPr/>
+        <p:nvPr/>
+      </p:nvGrpSpPr>
+      <p:grpSpPr>
+        <a:xfrm>
+          <a:off x="0" y="0"/>
+          <a:ext cx="0" cy="0"/>
+          <a:chOff x="0" y="0"/>
+          <a:chExt cx="0" cy="0"/>
+        </a:xfrm>
+      </p:grpSpPr>
+      <p:sp>
+        <p:nvSpPr>
+          <p:cNvPr id="2" name="標題 1"/>
+          <p:cNvSpPr>
+            <a:spLocks noGrp="1"/>
+          </p:cNvSpPr>
+          <p:nvPr>
+            <p:ph type="ctrTitle"/>
+          </p:nvPr>
+        </p:nvSpPr>
+        <p:spPr>
+          <a:xfrm>
+            <a:off x="0" y="1"/>
+            <a:ext cx="9144000" cy="764704"/>
+          </a:xfrm>
+          <a:gradFill flip="none" rotWithShape="1">
+            <a:gsLst>
+              <a:gs pos="0">
+                <a:srgbClr val="C00000">
+                  <a:shade val="30000"/>
+                  <a:satMod val="115000"/>
+                </a:srgbClr>
+              </a:gs>
+              <a:gs pos="50000">
+                <a:srgbClr val="C00000">
+                  <a:shade val="67500"/>
+                  <a:satMod val="115000"/>
+                </a:srgbClr>
+              </a:gs>
+              <a:gs pos="100000">
+                <a:srgbClr val="C00000">
+                  <a:shade val="100000"/>
+                  <a:satMod val="115000"/>
+                </a:srgbClr>
+              </a:gs>
+            </a:gsLst>
+            <a:path path="circle">
+              <a:fillToRect t="100000" r="100000"/>
+            </a:path>
+            <a:tileRect l="-100000" b="-100000"/>
+          </a:gradFill>
+        </p:spPr>
+        <p:txBody>
+          <a:bodyPr>
+            <a:normAutofit/>
+          </a:bodyPr>
+          <a:lstStyle/>
+          <a:p>
+            <a:pPr algn="l"/>
+            <a:r>
+              <a:rPr lang="en-US" altLang="zh-TW" b="1" dirty="0">
+                <a:solidFill>
+                  <a:srgbClr val="FFFF00"/>
+                </a:solidFill>
+              </a:rPr>
+              <a:t>1 Introduction</a:t>
+            </a:r>
+            <a:endParaRPr lang="zh-TW" altLang="en-US" b="1" dirty="0">
+              <a:solidFill>
+                <a:srgbClr val="FFFF00"/>
+              </a:solidFill>
+            </a:endParaRPr>
+          </a:p>
+        </p:txBody>
+      </p:sp>
+      <p:sp>
+        <p:nvSpPr>
+          <p:cNvPr id="3" name="副標題 2"/>
+          <p:cNvSpPr>
+            <a:spLocks noGrp="1"/>
+          </p:cNvSpPr>
+          <p:nvPr>
+            <p:ph type="subTitle" idx="1"/>
+          </p:nvPr>
+        </p:nvSpPr>
+        <p:spPr>
+          <a:xfrm>
+            <a:off x="467544" y="1268759"/>
+            <a:ext cx="8352928" cy="720081"/>
+          </a:xfrm>
+          <a:ln>
+            <a:solidFill>
+              <a:srgbClr val="C00000"/>
+            </a:solidFill>
+          </a:ln>
+        </p:spPr>
+        <p:txBody>
+          <a:bodyPr>
+            <a:noAutofit/>
+          </a:bodyPr>
+          <a:lstStyle/>
+          <a:p>
+            <a:pPr marL="342900" indent="-342900" algn="l">
+              <a:buClr>
+                <a:srgbClr val="0070C0"/>
+              </a:buClr>
+              <a:buSzPct val="80000"/>
+              <a:buFont typeface="Wingdings" pitchFamily="2" charset="2"/>
+              <a:buChar char="u"/>
+            </a:pPr>
+            <a:r>
+              <a:rPr lang="en-US" sz="1800" b="1" dirty="0">
+                <a:solidFill>
+                  <a:schemeClr val="tx1"/>
+                </a:solidFill>
+              </a:rPr>
+              <a:t>Introduction</a:t>
+            </a:r>
+          </a:p>
+          <a:p>
+            <a:pPr marL="342900" indent="-342900" algn="l">
+              <a:buClr>
+                <a:srgbClr val="0070C0"/>
+              </a:buClr>
+              <a:buSzPct val="80000"/>
+              <a:buFont typeface="Wingdings" pitchFamily="2" charset="2"/>
+              <a:buChar char="u"/>
+            </a:pPr>
+            <a:r>
+              <a:rPr lang="en-US" sz="1800" b="1" dirty="0">
+                <a:solidFill>
+                  <a:schemeClr val="tx1"/>
+                </a:solidFill>
+              </a:rPr>
+              <a:t>The C-Language that we are use for high-level programming language.</a:t>
+            </a:r>
+          </a:p>
+        </p:txBody>
+      </p:sp>
+      <p:sp>
+        <p:nvSpPr>
+          <p:cNvPr id="4" name="標題 1"/>
+          <p:cNvSpPr txBox="1">
+            <a:spLocks/>
+          </p:cNvSpPr>
+          <p:nvPr/>
+        </p:nvSpPr>
+        <p:spPr>
+          <a:xfrm>
+            <a:off x="0" y="764704"/>
+            <a:ext cx="9144000" cy="360040"/>
+          </a:xfrm>
+          <a:prstGeom prst="rect">
+            <a:avLst/>
+          </a:prstGeom>
+          <a:gradFill flip="none" rotWithShape="1">
+            <a:gsLst>
+              <a:gs pos="0">
+                <a:srgbClr val="00B0F0">
+                  <a:shade val="30000"/>
+                  <a:satMod val="115000"/>
+                </a:srgbClr>
+              </a:gs>
+              <a:gs pos="50000">
+                <a:srgbClr val="00B0F0">
+                  <a:shade val="67500"/>
+                  <a:satMod val="115000"/>
+                </a:srgbClr>
+              </a:gs>
+              <a:gs pos="100000">
+                <a:srgbClr val="00B0F0">
+                  <a:shade val="100000"/>
+                  <a:satMod val="115000"/>
+                </a:srgbClr>
+              </a:gs>
+            </a:gsLst>
+            <a:path path="circle">
+              <a:fillToRect t="100000" r="100000"/>
+            </a:path>
+            <a:tileRect l="-100000" b="-100000"/>
+          </a:gradFill>
+        </p:spPr>
+        <p:txBody>
+          <a:bodyPr vert="horz" lIns="91440" tIns="45720" rIns="91440" bIns="45720" rtlCol="0" anchor="ctr">
+            <a:normAutofit/>
+          </a:bodyPr>
+          <a:lstStyle/>
+          <a:p>
+            <a:pPr lvl="0">
+              <a:spcBef>
+                <a:spcPct val="0"/>
+              </a:spcBef>
+            </a:pPr>
+            <a:r>
+              <a:rPr lang="en-US" sz="1600" dirty="0">
+                <a:hlinkClick r:id="rId2"/>
+              </a:rPr>
+              <a:t>https://www.youtube.com/watch?v=3V9eqvkMzHA&amp;list=PLPW8O6W-1chwyTzI3BHwBLbGQoPFxPAPM</a:t>
+            </a:r>
+            <a:endParaRPr kumimoji="0" lang="zh-TW" altLang="en-US" sz="1600" b="0" i="0" u="none" strike="noStrike" kern="1200" cap="none" spc="0" normalizeH="0" baseline="0" noProof="0" dirty="0">
+              <a:ln>
+                <a:noFill/>
+              </a:ln>
+              <a:solidFill>
+                <a:schemeClr val="tx1"/>
+              </a:solidFill>
+              <a:effectLst/>
+              <a:uLnTx/>
+              <a:uFillTx/>
+              <a:latin typeface="+mj-lt"/>
+              <a:ea typeface="+mj-ea"/>
+              <a:cs typeface="+mj-cs"/>
+            </a:endParaRPr>
+          </a:p>
+        </p:txBody>
+      </p:sp>
+      <p:sp>
+        <p:nvSpPr>
+          <p:cNvPr id="5" name="日期版面配置區 4"/>
+          <p:cNvSpPr>
+            <a:spLocks noGrp="1"/>
+          </p:cNvSpPr>
+          <p:nvPr>
+            <p:ph type="dt" sz="half" idx="10"/>
+          </p:nvPr>
+        </p:nvSpPr>
+        <p:spPr/>
+        <p:txBody>
+          <a:bodyPr/>
+          <a:lstStyle/>
+          <a:p>
+            <a:fld id="{A4F910E6-8D00-4BAF-8C48-9688E0B449D3}" type="datetime1">
+              <a:rPr lang="zh-TW" altLang="en-US" smtClean="0"/>
+              <a:pPr/>
+              <a:t>2020/6/23</a:t>
+            </a:fld>
+            <a:endParaRPr lang="zh-TW" altLang="en-US"/>
+          </a:p>
+        </p:txBody>
+      </p:sp>
+      <p:sp>
+        <p:nvSpPr>
+          <p:cNvPr id="6" name="投影片編號版面配置區 5"/>
+          <p:cNvSpPr>
+            <a:spLocks noGrp="1"/>
+          </p:cNvSpPr>
+          <p:nvPr>
+            <p:ph type="sldNum" sz="quarter" idx="12"/>
+          </p:nvPr>
+        </p:nvSpPr>
+        <p:spPr/>
+        <p:txBody>
+          <a:bodyPr/>
+          <a:lstStyle/>
+          <a:p>
+            <a:fld id="{E4D7E63D-91F2-4366-A2C4-1B00C9E2590E}" type="slidenum">
+              <a:rPr lang="zh-TW" altLang="en-US" smtClean="0"/>
+              <a:pPr/>
+              <a:t>6</a:t>
+            </a:fld>
+            <a:endParaRPr lang="zh-TW" altLang="en-US"/>
+          </a:p>
+        </p:txBody>
+      </p:sp>
+      <p:pic>
+        <p:nvPicPr>
+          <p:cNvPr id="7" name="Picture 6">
+            <a:extLst>
+              <a:ext uri="{FF2B5EF4-FFF2-40B4-BE49-F238E27FC236}">
+                <a16:creationId xmlns:a16="http://schemas.microsoft.com/office/drawing/2014/main" id="{B036BEA1-7C4B-46D6-8AFD-522487A87749}"/>
+              </a:ext>
+            </a:extLst>
+          </p:cNvPr>
+          <p:cNvPicPr>
+            <a:picLocks noChangeAspect="1"/>
+          </p:cNvPicPr>
+          <p:nvPr/>
+        </p:nvPicPr>
+        <p:blipFill>
+          <a:blip r:embed="rId3"/>
+          <a:stretch>
+            <a:fillRect/>
+          </a:stretch>
+        </p:blipFill>
+        <p:spPr>
+          <a:xfrm>
+            <a:off x="573171" y="2090380"/>
+            <a:ext cx="5980029" cy="3047974"/>
+          </a:xfrm>
+          <a:prstGeom prst="rect">
+            <a:avLst/>
+          </a:prstGeom>
+          <a:ln>
+            <a:solidFill>
+              <a:srgbClr val="C00000"/>
+            </a:solidFill>
+          </a:ln>
+        </p:spPr>
+      </p:pic>
+      <p:pic>
+        <p:nvPicPr>
+          <p:cNvPr id="8" name="Picture 7">
+            <a:extLst>
+              <a:ext uri="{FF2B5EF4-FFF2-40B4-BE49-F238E27FC236}">
+                <a16:creationId xmlns:a16="http://schemas.microsoft.com/office/drawing/2014/main" id="{AB1C612C-4323-43F4-84A5-1554C295A854}"/>
+              </a:ext>
+            </a:extLst>
+          </p:cNvPr>
+          <p:cNvPicPr>
+            <a:picLocks noChangeAspect="1"/>
+          </p:cNvPicPr>
+          <p:nvPr/>
+        </p:nvPicPr>
+        <p:blipFill>
+          <a:blip r:embed="rId4"/>
+          <a:stretch>
+            <a:fillRect/>
+          </a:stretch>
+        </p:blipFill>
+        <p:spPr>
+          <a:xfrm>
+            <a:off x="3203848" y="4424833"/>
+            <a:ext cx="5205586" cy="2328815"/>
+          </a:xfrm>
+          <a:prstGeom prst="rect">
+            <a:avLst/>
+          </a:prstGeom>
+          <a:ln>
+            <a:solidFill>
+              <a:srgbClr val="C00000"/>
+            </a:solidFill>
+          </a:ln>
+        </p:spPr>
+      </p:pic>
+    </p:spTree>
+    <p:extLst>
+      <p:ext uri="{BB962C8B-B14F-4D97-AF65-F5344CB8AC3E}">
+        <p14:creationId xmlns:p14="http://schemas.microsoft.com/office/powerpoint/2010/main" val="3649769505"/>
+      </p:ext>
+    </p:extLst>
+  </p:cSld>
+  <p:clrMapOvr>
+    <a:masterClrMapping/>
+  </p:clrMapOvr>
+</p:sld>
+</file>
+
+<file path=ppt/slides/slide7.xml><?xml version="1.0" encoding="utf-8"?>
+<p:sld xmlns:a="http://schemas.openxmlformats.org/drawingml/2006/main" xmlns:r="http://schemas.openxmlformats.org/officeDocument/2006/relationships" xmlns:p="http://schemas.openxmlformats.org/presentationml/2006/main">
+  <p:cSld>
+    <p:spTree>
+      <p:nvGrpSpPr>
+        <p:cNvPr id="1" name=""/>
+        <p:cNvGrpSpPr/>
+        <p:nvPr/>
+      </p:nvGrpSpPr>
+      <p:grpSpPr>
+        <a:xfrm>
+          <a:off x="0" y="0"/>
+          <a:ext cx="0" cy="0"/>
+          <a:chOff x="0" y="0"/>
+          <a:chExt cx="0" cy="0"/>
+        </a:xfrm>
+      </p:grpSpPr>
+      <p:sp>
+        <p:nvSpPr>
+          <p:cNvPr id="2" name="標題 1"/>
+          <p:cNvSpPr>
+            <a:spLocks noGrp="1"/>
+          </p:cNvSpPr>
+          <p:nvPr>
+            <p:ph type="ctrTitle"/>
+          </p:nvPr>
+        </p:nvSpPr>
+        <p:spPr>
+          <a:xfrm>
+            <a:off x="0" y="1"/>
+            <a:ext cx="9144000" cy="764704"/>
+          </a:xfrm>
+          <a:gradFill flip="none" rotWithShape="1">
+            <a:gsLst>
+              <a:gs pos="0">
+                <a:srgbClr val="C00000">
+                  <a:shade val="30000"/>
+                  <a:satMod val="115000"/>
+                </a:srgbClr>
+              </a:gs>
+              <a:gs pos="50000">
+                <a:srgbClr val="C00000">
+                  <a:shade val="67500"/>
+                  <a:satMod val="115000"/>
+                </a:srgbClr>
+              </a:gs>
+              <a:gs pos="100000">
+                <a:srgbClr val="C00000">
+                  <a:shade val="100000"/>
+                  <a:satMod val="115000"/>
+                </a:srgbClr>
+              </a:gs>
+            </a:gsLst>
+            <a:path path="circle">
+              <a:fillToRect t="100000" r="100000"/>
+            </a:path>
+            <a:tileRect l="-100000" b="-100000"/>
+          </a:gradFill>
+        </p:spPr>
+        <p:txBody>
+          <a:bodyPr>
+            <a:normAutofit/>
+          </a:bodyPr>
+          <a:lstStyle/>
+          <a:p>
+            <a:pPr algn="l"/>
+            <a:r>
+              <a:rPr lang="en-US" altLang="zh-TW" b="1" dirty="0">
+                <a:solidFill>
+                  <a:srgbClr val="FFFF00"/>
+                </a:solidFill>
+              </a:rPr>
+              <a:t>1 Introduction</a:t>
+            </a:r>
+            <a:endParaRPr lang="zh-TW" altLang="en-US" b="1" dirty="0">
+              <a:solidFill>
+                <a:srgbClr val="FFFF00"/>
+              </a:solidFill>
+            </a:endParaRPr>
+          </a:p>
+        </p:txBody>
+      </p:sp>
+      <p:sp>
+        <p:nvSpPr>
+          <p:cNvPr id="3" name="副標題 2"/>
+          <p:cNvSpPr>
+            <a:spLocks noGrp="1"/>
+          </p:cNvSpPr>
+          <p:nvPr>
+            <p:ph type="subTitle" idx="1"/>
+          </p:nvPr>
+        </p:nvSpPr>
+        <p:spPr>
+          <a:xfrm>
+            <a:off x="467544" y="1268759"/>
+            <a:ext cx="8352928" cy="1553816"/>
+          </a:xfrm>
+          <a:ln>
+            <a:solidFill>
+              <a:srgbClr val="C00000"/>
+            </a:solidFill>
+          </a:ln>
+        </p:spPr>
+        <p:txBody>
+          <a:bodyPr>
+            <a:noAutofit/>
+          </a:bodyPr>
+          <a:lstStyle/>
+          <a:p>
+            <a:pPr marL="342900" indent="-342900" algn="l">
+              <a:buClr>
+                <a:srgbClr val="0070C0"/>
+              </a:buClr>
+              <a:buSzPct val="80000"/>
+              <a:buFont typeface="Wingdings" pitchFamily="2" charset="2"/>
+              <a:buChar char="u"/>
+            </a:pPr>
+            <a:r>
+              <a:rPr lang="en-US" sz="1800" b="1" dirty="0">
+                <a:solidFill>
+                  <a:schemeClr val="tx1"/>
+                </a:solidFill>
+              </a:rPr>
+              <a:t>Introduction</a:t>
+            </a:r>
+          </a:p>
+          <a:p>
+            <a:pPr marL="342900" indent="-342900" algn="l">
+              <a:buClr>
+                <a:srgbClr val="0070C0"/>
+              </a:buClr>
+              <a:buSzPct val="80000"/>
+              <a:buFont typeface="Wingdings" pitchFamily="2" charset="2"/>
+              <a:buChar char="u"/>
+            </a:pPr>
+            <a:r>
+              <a:rPr lang="en-US" sz="1800" b="1" dirty="0">
+                <a:solidFill>
+                  <a:schemeClr val="tx1"/>
+                </a:solidFill>
+              </a:rPr>
+              <a:t>We also step down to the machine code and see what happen inside the embedded processor.</a:t>
+            </a:r>
+          </a:p>
+          <a:p>
+            <a:pPr marL="342900" indent="-342900" algn="l">
+              <a:buClr>
+                <a:srgbClr val="0070C0"/>
+              </a:buClr>
+              <a:buSzPct val="80000"/>
+              <a:buFont typeface="Wingdings" pitchFamily="2" charset="2"/>
+              <a:buChar char="u"/>
+            </a:pPr>
+            <a:r>
+              <a:rPr lang="en-US" sz="1800" b="1" dirty="0">
+                <a:solidFill>
+                  <a:schemeClr val="tx1"/>
+                </a:solidFill>
+              </a:rPr>
+              <a:t>We can see how the processor execute the code and manipulate data, such as, turn on and off the LED. How the C translate into the machine instruction. </a:t>
+            </a:r>
+          </a:p>
+        </p:txBody>
+      </p:sp>
+      <p:sp>
+        <p:nvSpPr>
+          <p:cNvPr id="4" name="標題 1"/>
+          <p:cNvSpPr txBox="1">
+            <a:spLocks/>
+          </p:cNvSpPr>
+          <p:nvPr/>
+        </p:nvSpPr>
+        <p:spPr>
+          <a:xfrm>
+            <a:off x="0" y="764704"/>
+            <a:ext cx="9144000" cy="360040"/>
+          </a:xfrm>
+          <a:prstGeom prst="rect">
+            <a:avLst/>
+          </a:prstGeom>
+          <a:gradFill flip="none" rotWithShape="1">
+            <a:gsLst>
+              <a:gs pos="0">
+                <a:srgbClr val="00B0F0">
+                  <a:shade val="30000"/>
+                  <a:satMod val="115000"/>
+                </a:srgbClr>
+              </a:gs>
+              <a:gs pos="50000">
+                <a:srgbClr val="00B0F0">
+                  <a:shade val="67500"/>
+                  <a:satMod val="115000"/>
+                </a:srgbClr>
+              </a:gs>
+              <a:gs pos="100000">
+                <a:srgbClr val="00B0F0">
+                  <a:shade val="100000"/>
+                  <a:satMod val="115000"/>
+                </a:srgbClr>
+              </a:gs>
+            </a:gsLst>
+            <a:path path="circle">
+              <a:fillToRect t="100000" r="100000"/>
+            </a:path>
+            <a:tileRect l="-100000" b="-100000"/>
+          </a:gradFill>
+        </p:spPr>
+        <p:txBody>
+          <a:bodyPr vert="horz" lIns="91440" tIns="45720" rIns="91440" bIns="45720" rtlCol="0" anchor="ctr">
+            <a:normAutofit/>
+          </a:bodyPr>
+          <a:lstStyle/>
+          <a:p>
+            <a:pPr lvl="0">
+              <a:spcBef>
+                <a:spcPct val="0"/>
+              </a:spcBef>
+            </a:pPr>
+            <a:r>
+              <a:rPr lang="en-US" sz="1600" dirty="0">
+                <a:hlinkClick r:id="rId2"/>
+              </a:rPr>
+              <a:t>https://www.youtube.com/watch?v=3V9eqvkMzHA&amp;list=PLPW8O6W-1chwyTzI3BHwBLbGQoPFxPAPM</a:t>
+            </a:r>
+            <a:endParaRPr kumimoji="0" lang="zh-TW" altLang="en-US" sz="1600" b="0" i="0" u="none" strike="noStrike" kern="1200" cap="none" spc="0" normalizeH="0" baseline="0" noProof="0" dirty="0">
+              <a:ln>
+                <a:noFill/>
+              </a:ln>
+              <a:solidFill>
+                <a:schemeClr val="tx1"/>
+              </a:solidFill>
+              <a:effectLst/>
+              <a:uLnTx/>
+              <a:uFillTx/>
+              <a:latin typeface="+mj-lt"/>
+              <a:ea typeface="+mj-ea"/>
+              <a:cs typeface="+mj-cs"/>
+            </a:endParaRPr>
+          </a:p>
+        </p:txBody>
+      </p:sp>
+      <p:sp>
+        <p:nvSpPr>
+          <p:cNvPr id="5" name="日期版面配置區 4"/>
+          <p:cNvSpPr>
+            <a:spLocks noGrp="1"/>
+          </p:cNvSpPr>
+          <p:nvPr>
+            <p:ph type="dt" sz="half" idx="10"/>
+          </p:nvPr>
+        </p:nvSpPr>
+        <p:spPr/>
+        <p:txBody>
+          <a:bodyPr/>
+          <a:lstStyle/>
+          <a:p>
+            <a:fld id="{A4F910E6-8D00-4BAF-8C48-9688E0B449D3}" type="datetime1">
+              <a:rPr lang="zh-TW" altLang="en-US" smtClean="0"/>
+              <a:pPr/>
+              <a:t>2020/6/23</a:t>
+            </a:fld>
+            <a:endParaRPr lang="zh-TW" altLang="en-US"/>
+          </a:p>
+        </p:txBody>
+      </p:sp>
+      <p:sp>
+        <p:nvSpPr>
+          <p:cNvPr id="6" name="投影片編號版面配置區 5"/>
+          <p:cNvSpPr>
+            <a:spLocks noGrp="1"/>
+          </p:cNvSpPr>
+          <p:nvPr>
+            <p:ph type="sldNum" sz="quarter" idx="12"/>
+          </p:nvPr>
+        </p:nvSpPr>
+        <p:spPr/>
+        <p:txBody>
+          <a:bodyPr/>
+          <a:lstStyle/>
+          <a:p>
+            <a:fld id="{E4D7E63D-91F2-4366-A2C4-1B00C9E2590E}" type="slidenum">
+              <a:rPr lang="zh-TW" altLang="en-US" smtClean="0"/>
+              <a:pPr/>
+              <a:t>7</a:t>
+            </a:fld>
+            <a:endParaRPr lang="zh-TW" altLang="en-US"/>
+          </a:p>
+        </p:txBody>
+      </p:sp>
+      <p:pic>
+        <p:nvPicPr>
+          <p:cNvPr id="9" name="Picture 8">
+            <a:extLst>
+              <a:ext uri="{FF2B5EF4-FFF2-40B4-BE49-F238E27FC236}">
+                <a16:creationId xmlns:a16="http://schemas.microsoft.com/office/drawing/2014/main" id="{BD709B2A-BCAB-4183-BEC0-2C30E20288FC}"/>
+              </a:ext>
+            </a:extLst>
+          </p:cNvPr>
+          <p:cNvPicPr>
+            <a:picLocks noChangeAspect="1"/>
+          </p:cNvPicPr>
+          <p:nvPr/>
+        </p:nvPicPr>
+        <p:blipFill>
+          <a:blip r:embed="rId3"/>
+          <a:stretch>
+            <a:fillRect/>
+          </a:stretch>
+        </p:blipFill>
+        <p:spPr>
+          <a:xfrm>
+            <a:off x="970335" y="3085315"/>
+            <a:ext cx="7203330" cy="3271035"/>
+          </a:xfrm>
+          <a:prstGeom prst="rect">
+            <a:avLst/>
+          </a:prstGeom>
+          <a:ln>
+            <a:solidFill>
+              <a:srgbClr val="C00000"/>
+            </a:solidFill>
+          </a:ln>
+        </p:spPr>
+      </p:pic>
+    </p:spTree>
+    <p:extLst>
+      <p:ext uri="{BB962C8B-B14F-4D97-AF65-F5344CB8AC3E}">
+        <p14:creationId xmlns:p14="http://schemas.microsoft.com/office/powerpoint/2010/main" val="4187685339"/>
+      </p:ext>
+    </p:extLst>
+  </p:cSld>
+  <p:clrMapOvr>
+    <a:masterClrMapping/>
+  </p:clrMapOvr>
+</p:sld>
+</file>
+
+<file path=ppt/slides/slide8.xml><?xml version="1.0" encoding="utf-8"?>
+<p:sld xmlns:a="http://schemas.openxmlformats.org/drawingml/2006/main" xmlns:r="http://schemas.openxmlformats.org/officeDocument/2006/relationships" xmlns:p="http://schemas.openxmlformats.org/presentationml/2006/main">
+  <p:cSld>
+    <p:spTree>
+      <p:nvGrpSpPr>
+        <p:cNvPr id="1" name=""/>
+        <p:cNvGrpSpPr/>
+        <p:nvPr/>
+      </p:nvGrpSpPr>
+      <p:grpSpPr>
+        <a:xfrm>
+          <a:off x="0" y="0"/>
+          <a:ext cx="0" cy="0"/>
+          <a:chOff x="0" y="0"/>
+          <a:chExt cx="0" cy="0"/>
+        </a:xfrm>
+      </p:grpSpPr>
+      <p:sp>
+        <p:nvSpPr>
+          <p:cNvPr id="2" name="標題 1"/>
+          <p:cNvSpPr>
+            <a:spLocks noGrp="1"/>
+          </p:cNvSpPr>
+          <p:nvPr>
+            <p:ph type="ctrTitle"/>
+          </p:nvPr>
+        </p:nvSpPr>
+        <p:spPr>
+          <a:xfrm>
+            <a:off x="0" y="1"/>
+            <a:ext cx="9144000" cy="764704"/>
+          </a:xfrm>
+          <a:gradFill flip="none" rotWithShape="1">
+            <a:gsLst>
+              <a:gs pos="0">
+                <a:srgbClr val="C00000">
+                  <a:shade val="30000"/>
+                  <a:satMod val="115000"/>
+                </a:srgbClr>
+              </a:gs>
+              <a:gs pos="50000">
+                <a:srgbClr val="C00000">
+                  <a:shade val="67500"/>
+                  <a:satMod val="115000"/>
+                </a:srgbClr>
+              </a:gs>
+              <a:gs pos="100000">
+                <a:srgbClr val="C00000">
+                  <a:shade val="100000"/>
+                  <a:satMod val="115000"/>
+                </a:srgbClr>
+              </a:gs>
+            </a:gsLst>
+            <a:path path="circle">
+              <a:fillToRect t="100000" r="100000"/>
+            </a:path>
+            <a:tileRect l="-100000" b="-100000"/>
+          </a:gradFill>
+        </p:spPr>
+        <p:txBody>
+          <a:bodyPr>
+            <a:normAutofit/>
+          </a:bodyPr>
+          <a:lstStyle/>
+          <a:p>
+            <a:pPr algn="l"/>
+            <a:r>
+              <a:rPr lang="en-US" altLang="zh-TW" b="1" dirty="0">
+                <a:solidFill>
+                  <a:srgbClr val="FFFF00"/>
+                </a:solidFill>
+              </a:rPr>
+              <a:t>1 Introduction</a:t>
+            </a:r>
+            <a:endParaRPr lang="zh-TW" altLang="en-US" b="1" dirty="0">
+              <a:solidFill>
+                <a:srgbClr val="FFFF00"/>
+              </a:solidFill>
+            </a:endParaRPr>
+          </a:p>
+        </p:txBody>
+      </p:sp>
+      <p:sp>
+        <p:nvSpPr>
+          <p:cNvPr id="3" name="副標題 2"/>
+          <p:cNvSpPr>
+            <a:spLocks noGrp="1"/>
+          </p:cNvSpPr>
+          <p:nvPr>
+            <p:ph type="subTitle" idx="1"/>
+          </p:nvPr>
+        </p:nvSpPr>
+        <p:spPr>
+          <a:xfrm>
+            <a:off x="467544" y="1268759"/>
+            <a:ext cx="8352928" cy="792089"/>
+          </a:xfrm>
+          <a:ln>
+            <a:solidFill>
+              <a:srgbClr val="C00000"/>
+            </a:solidFill>
+          </a:ln>
+        </p:spPr>
+        <p:txBody>
+          <a:bodyPr>
+            <a:noAutofit/>
+          </a:bodyPr>
+          <a:lstStyle/>
+          <a:p>
+            <a:pPr marL="342900" indent="-342900" algn="l">
+              <a:buClr>
+                <a:srgbClr val="0070C0"/>
+              </a:buClr>
+              <a:buSzPct val="80000"/>
+              <a:buFont typeface="Wingdings" pitchFamily="2" charset="2"/>
+              <a:buChar char="u"/>
+            </a:pPr>
+            <a:r>
+              <a:rPr lang="en-US" sz="1800" b="1" dirty="0">
+                <a:solidFill>
+                  <a:schemeClr val="tx1"/>
+                </a:solidFill>
+              </a:rPr>
+              <a:t>Introduction</a:t>
+            </a:r>
+          </a:p>
+          <a:p>
+            <a:pPr marL="342900" indent="-342900" algn="l">
+              <a:buClr>
+                <a:srgbClr val="0070C0"/>
+              </a:buClr>
+              <a:buSzPct val="80000"/>
+              <a:buFont typeface="Wingdings" pitchFamily="2" charset="2"/>
+              <a:buChar char="u"/>
+            </a:pPr>
+            <a:r>
+              <a:rPr lang="en-US" sz="1800" b="1" dirty="0">
+                <a:solidFill>
+                  <a:schemeClr val="tx1"/>
+                </a:solidFill>
+              </a:rPr>
+              <a:t>We use ARM Cortex-M4 as the processor.</a:t>
+            </a:r>
+          </a:p>
+        </p:txBody>
+      </p:sp>
+      <p:sp>
+        <p:nvSpPr>
+          <p:cNvPr id="4" name="標題 1"/>
+          <p:cNvSpPr txBox="1">
+            <a:spLocks/>
+          </p:cNvSpPr>
+          <p:nvPr/>
+        </p:nvSpPr>
+        <p:spPr>
+          <a:xfrm>
+            <a:off x="0" y="764704"/>
+            <a:ext cx="9144000" cy="360040"/>
+          </a:xfrm>
+          <a:prstGeom prst="rect">
+            <a:avLst/>
+          </a:prstGeom>
+          <a:gradFill flip="none" rotWithShape="1">
+            <a:gsLst>
+              <a:gs pos="0">
+                <a:srgbClr val="00B0F0">
+                  <a:shade val="30000"/>
+                  <a:satMod val="115000"/>
+                </a:srgbClr>
+              </a:gs>
+              <a:gs pos="50000">
+                <a:srgbClr val="00B0F0">
+                  <a:shade val="67500"/>
+                  <a:satMod val="115000"/>
+                </a:srgbClr>
+              </a:gs>
+              <a:gs pos="100000">
+                <a:srgbClr val="00B0F0">
+                  <a:shade val="100000"/>
+                  <a:satMod val="115000"/>
+                </a:srgbClr>
+              </a:gs>
+            </a:gsLst>
+            <a:path path="circle">
+              <a:fillToRect t="100000" r="100000"/>
+            </a:path>
+            <a:tileRect l="-100000" b="-100000"/>
+          </a:gradFill>
+        </p:spPr>
+        <p:txBody>
+          <a:bodyPr vert="horz" lIns="91440" tIns="45720" rIns="91440" bIns="45720" rtlCol="0" anchor="ctr">
+            <a:normAutofit/>
+          </a:bodyPr>
+          <a:lstStyle/>
+          <a:p>
+            <a:pPr lvl="0">
+              <a:spcBef>
+                <a:spcPct val="0"/>
+              </a:spcBef>
+            </a:pPr>
+            <a:r>
+              <a:rPr lang="en-US" sz="1600" dirty="0">
+                <a:hlinkClick r:id="rId2"/>
+              </a:rPr>
+              <a:t>https://www.youtube.com/watch?v=3V9eqvkMzHA&amp;list=PLPW8O6W-1chwyTzI3BHwBLbGQoPFxPAPM</a:t>
+            </a:r>
+            <a:endParaRPr kumimoji="0" lang="zh-TW" altLang="en-US" sz="1600" b="0" i="0" u="none" strike="noStrike" kern="1200" cap="none" spc="0" normalizeH="0" baseline="0" noProof="0" dirty="0">
+              <a:ln>
+                <a:noFill/>
+              </a:ln>
+              <a:solidFill>
+                <a:schemeClr val="tx1"/>
+              </a:solidFill>
+              <a:effectLst/>
+              <a:uLnTx/>
+              <a:uFillTx/>
+              <a:latin typeface="+mj-lt"/>
+              <a:ea typeface="+mj-ea"/>
+              <a:cs typeface="+mj-cs"/>
+            </a:endParaRPr>
+          </a:p>
+        </p:txBody>
+      </p:sp>
+      <p:sp>
+        <p:nvSpPr>
+          <p:cNvPr id="5" name="日期版面配置區 4"/>
+          <p:cNvSpPr>
+            <a:spLocks noGrp="1"/>
+          </p:cNvSpPr>
+          <p:nvPr>
+            <p:ph type="dt" sz="half" idx="10"/>
+          </p:nvPr>
+        </p:nvSpPr>
+        <p:spPr/>
+        <p:txBody>
+          <a:bodyPr/>
+          <a:lstStyle/>
+          <a:p>
+            <a:fld id="{A4F910E6-8D00-4BAF-8C48-9688E0B449D3}" type="datetime1">
+              <a:rPr lang="zh-TW" altLang="en-US" smtClean="0"/>
+              <a:pPr/>
+              <a:t>2020/6/23</a:t>
             </a:fld>
             <a:endParaRPr lang="zh-TW" altLang="en-US"/>
           </a:p>
@@ -7214,10 +10550,45 @@
           </a:p>
         </p:txBody>
       </p:sp>
+      <p:pic>
+        <p:nvPicPr>
+          <p:cNvPr id="7" name="Picture 6">
+            <a:extLst>
+              <a:ext uri="{FF2B5EF4-FFF2-40B4-BE49-F238E27FC236}">
+                <a16:creationId xmlns:a16="http://schemas.microsoft.com/office/drawing/2014/main" id="{41E2C3F6-2207-4ADC-B625-67FCBFFBF61F}"/>
+              </a:ext>
+            </a:extLst>
+          </p:cNvPr>
+          <p:cNvPicPr>
+            <a:picLocks noChangeAspect="1"/>
+          </p:cNvPicPr>
+          <p:nvPr/>
+        </p:nvPicPr>
+        <p:blipFill>
+          <a:blip r:embed="rId3"/>
+          <a:stretch>
+            <a:fillRect/>
+          </a:stretch>
+        </p:blipFill>
+        <p:spPr>
+          <a:xfrm>
+            <a:off x="1619672" y="2321947"/>
+            <a:ext cx="6332190" cy="3267294"/>
+          </a:xfrm>
+          <a:prstGeom prst="rect">
+            <a:avLst/>
+          </a:prstGeom>
+          <a:ln>
+            <a:solidFill>
+              <a:srgbClr val="C00000"/>
+            </a:solidFill>
+          </a:ln>
+        </p:spPr>
+      </p:pic>
     </p:spTree>
     <p:extLst>
       <p:ext uri="{BB962C8B-B14F-4D97-AF65-F5344CB8AC3E}">
-        <p14:creationId xmlns:p14="http://schemas.microsoft.com/office/powerpoint/2010/main" val="3525145545"/>
+        <p14:creationId xmlns:p14="http://schemas.microsoft.com/office/powerpoint/2010/main" val="1987150972"/>
       </p:ext>
     </p:extLst>
   </p:cSld>
@@ -7322,7 +10693,7 @@
         <p:spPr>
           <a:xfrm>
             <a:off x="467544" y="1268759"/>
-            <a:ext cx="8352928" cy="720081"/>
+            <a:ext cx="8352928" cy="792089"/>
           </a:xfrm>
           <a:ln>
             <a:solidFill>
@@ -7363,26 +10734,13 @@
               <a:buChar char="u"/>
             </a:pPr>
             <a:r>
-              <a:rPr lang="en-US" sz="1800" dirty="0">
+              <a:rPr lang="en-US" sz="1800" b="1" dirty="0">
                 <a:solidFill>
                   <a:schemeClr val="tx1"/>
                 </a:solidFill>
               </a:rPr>
-              <a:t>Complete installation.</a:t>
-            </a:r>
-          </a:p>
-          <a:p>
-            <a:pPr algn="l">
-              <a:buClr>
-                <a:srgbClr val="0070C0"/>
-              </a:buClr>
-              <a:buSzPct val="80000"/>
-            </a:pPr>
-            <a:endParaRPr lang="en-US" sz="1800" b="1" dirty="0">
-              <a:solidFill>
-                <a:schemeClr val="tx1"/>
-              </a:solidFill>
-            </a:endParaRPr>
+              <a:t>Cortex-M Family from Cortex-M0, Cortex-M0+, Cortex-M3, and Cortex-M4.</a:t>
+            </a:r>
           </a:p>
         </p:txBody>
       </p:sp>
@@ -7481,7 +10839,7 @@
             <a:fld id="{A4F910E6-8D00-4BAF-8C48-9688E0B449D3}" type="datetime1">
               <a:rPr lang="zh-TW" altLang="en-US" smtClean="0"/>
               <a:pPr/>
-              <a:t>2020/6/22</a:t>
+              <a:t>2020/6/23</a:t>
             </a:fld>
             <a:endParaRPr lang="zh-TW" altLang="en-US"/>
           </a:p>
@@ -7513,10 +10871,10 @@
       </p:sp>
       <p:pic>
         <p:nvPicPr>
-          <p:cNvPr id="7" name="Picture 6">
+          <p:cNvPr id="8" name="Picture 7">
             <a:extLst>
               <a:ext uri="{FF2B5EF4-FFF2-40B4-BE49-F238E27FC236}">
-                <a16:creationId xmlns:a16="http://schemas.microsoft.com/office/drawing/2014/main" id="{68F3D957-4C95-4408-8D30-76865A8B6E25}"/>
+                <a16:creationId xmlns:a16="http://schemas.microsoft.com/office/drawing/2014/main" id="{31E6BC4C-EE36-42F9-8EDC-94EF1C298719}"/>
               </a:ext>
             </a:extLst>
           </p:cNvPr>
@@ -7533,8 +10891,8 @@
         </p:blipFill>
         <p:spPr>
           <a:xfrm>
-            <a:off x="1907704" y="2135095"/>
-            <a:ext cx="5046315" cy="3988754"/>
+            <a:off x="777400" y="2257599"/>
+            <a:ext cx="7733215" cy="3902000"/>
           </a:xfrm>
           <a:prstGeom prst="rect">
             <a:avLst/>
@@ -7549,7 +10907,7 @@
     </p:spTree>
     <p:extLst>
       <p:ext uri="{BB962C8B-B14F-4D97-AF65-F5344CB8AC3E}">
-        <p14:creationId xmlns:p14="http://schemas.microsoft.com/office/powerpoint/2010/main" val="3495356124"/>
+        <p14:creationId xmlns:p14="http://schemas.microsoft.com/office/powerpoint/2010/main" val="3259463554"/>
       </p:ext>
     </p:extLst>
   </p:cSld>
